--- a/Figures/Arc/Framework_old.pptx
+++ b/Figures/Arc/Framework_old.pptx
@@ -5,7 +5,7 @@
     <p:sldMasterId id="2147483648" r:id="rId1"/>
   </p:sldMasterIdLst>
   <p:notesMasterIdLst>
-    <p:notesMasterId r:id="rId8"/>
+    <p:notesMasterId r:id="rId10"/>
   </p:notesMasterIdLst>
   <p:sldIdLst>
     <p:sldId id="256" r:id="rId2"/>
@@ -14,6 +14,8 @@
     <p:sldId id="259" r:id="rId5"/>
     <p:sldId id="260" r:id="rId6"/>
     <p:sldId id="261" r:id="rId7"/>
+    <p:sldId id="262" r:id="rId8"/>
+    <p:sldId id="263" r:id="rId9"/>
   </p:sldIdLst>
   <p:sldSz cx="12192000" cy="6858000"/>
   <p:notesSz cx="6858000" cy="9144000"/>
@@ -202,7 +204,7 @@
           <a:p>
             <a:fld id="{8B68CA6C-F158-8D4A-BA30-69DCB35CD1E5}" type="datetimeFigureOut">
               <a:rPr lang="en-US" smtClean="0"/>
-              <a:t>7/11/25</a:t>
+              <a:t>7/18/25</a:t>
             </a:fld>
             <a:endParaRPr lang="en-US"/>
           </a:p>
@@ -829,6 +831,246 @@
 </p:notes>
 </file>
 
+<file path=ppt/notesSlides/notesSlide4.xml><?xml version="1.0" encoding="utf-8"?>
+<p:notes xmlns:a="http://schemas.openxmlformats.org/drawingml/2006/main" xmlns:r="http://schemas.openxmlformats.org/officeDocument/2006/relationships" xmlns:p="http://schemas.openxmlformats.org/presentationml/2006/main">
+  <p:cSld>
+    <p:spTree>
+      <p:nvGrpSpPr>
+        <p:cNvPr id="1" name=""/>
+        <p:cNvGrpSpPr/>
+        <p:nvPr/>
+      </p:nvGrpSpPr>
+      <p:grpSpPr>
+        <a:xfrm>
+          <a:off x="0" y="0"/>
+          <a:ext cx="0" cy="0"/>
+          <a:chOff x="0" y="0"/>
+          <a:chExt cx="0" cy="0"/>
+        </a:xfrm>
+      </p:grpSpPr>
+      <p:sp>
+        <p:nvSpPr>
+          <p:cNvPr id="2" name="Slide Image Placeholder 1"/>
+          <p:cNvSpPr>
+            <a:spLocks noGrp="1" noRot="1" noChangeAspect="1"/>
+          </p:cNvSpPr>
+          <p:nvPr>
+            <p:ph type="sldImg"/>
+          </p:nvPr>
+        </p:nvSpPr>
+        <p:spPr/>
+      </p:sp>
+      <p:sp>
+        <p:nvSpPr>
+          <p:cNvPr id="3" name="Notes Placeholder 2"/>
+          <p:cNvSpPr>
+            <a:spLocks noGrp="1"/>
+          </p:cNvSpPr>
+          <p:nvPr>
+            <p:ph type="body" idx="1"/>
+          </p:nvPr>
+        </p:nvSpPr>
+        <p:spPr/>
+        <p:txBody>
+          <a:bodyPr/>
+          <a:lstStyle/>
+          <a:p>
+            <a:pPr marL="0" marR="0" lvl="0" indent="0" algn="l" defTabSz="914400" rtl="0" eaLnBrk="1" fontAlgn="auto" latinLnBrk="0" hangingPunct="1">
+              <a:lnSpc>
+                <a:spcPct val="100000"/>
+              </a:lnSpc>
+              <a:spcBef>
+                <a:spcPts val="0"/>
+              </a:spcBef>
+              <a:spcAft>
+                <a:spcPts val="0"/>
+              </a:spcAft>
+              <a:buClrTx/>
+              <a:buSzTx/>
+              <a:buFontTx/>
+              <a:buNone/>
+              <a:tabLst/>
+              <a:defRPr/>
+            </a:pPr>
+            <a:r>
+              <a:rPr lang="en-US" dirty="0"/>
+              <a:t>function crop () { </a:t>
+            </a:r>
+            <a:r>
+              <a:rPr lang="en-US" dirty="0" err="1"/>
+              <a:t>pdfcrop</a:t>
+            </a:r>
+            <a:r>
+              <a:rPr lang="en-US" dirty="0"/>
+              <a:t> --</a:t>
+            </a:r>
+            <a:r>
+              <a:rPr lang="en-US" dirty="0" err="1"/>
+              <a:t>ini</a:t>
+            </a:r>
+            <a:r>
+              <a:rPr lang="en-US" dirty="0"/>
+              <a:t> $1 $1 &amp; }</a:t>
+            </a:r>
+          </a:p>
+        </p:txBody>
+      </p:sp>
+      <p:sp>
+        <p:nvSpPr>
+          <p:cNvPr id="4" name="Slide Number Placeholder 3"/>
+          <p:cNvSpPr>
+            <a:spLocks noGrp="1"/>
+          </p:cNvSpPr>
+          <p:nvPr>
+            <p:ph type="sldNum" sz="quarter" idx="5"/>
+          </p:nvPr>
+        </p:nvSpPr>
+        <p:spPr/>
+        <p:txBody>
+          <a:bodyPr/>
+          <a:lstStyle/>
+          <a:p>
+            <a:fld id="{50B3E187-2E87-A84E-A563-AA0C1BDD3EA6}" type="slidenum">
+              <a:rPr lang="en-US" smtClean="0"/>
+              <a:t>7</a:t>
+            </a:fld>
+            <a:endParaRPr lang="en-US"/>
+          </a:p>
+        </p:txBody>
+      </p:sp>
+    </p:spTree>
+    <p:extLst>
+      <p:ext uri="{BB962C8B-B14F-4D97-AF65-F5344CB8AC3E}">
+        <p14:creationId xmlns:p14="http://schemas.microsoft.com/office/powerpoint/2010/main" val="1111991055"/>
+      </p:ext>
+    </p:extLst>
+  </p:cSld>
+  <p:clrMapOvr>
+    <a:masterClrMapping/>
+  </p:clrMapOvr>
+</p:notes>
+</file>
+
+<file path=ppt/notesSlides/notesSlide5.xml><?xml version="1.0" encoding="utf-8"?>
+<p:notes xmlns:a="http://schemas.openxmlformats.org/drawingml/2006/main" xmlns:r="http://schemas.openxmlformats.org/officeDocument/2006/relationships" xmlns:p="http://schemas.openxmlformats.org/presentationml/2006/main">
+  <p:cSld>
+    <p:spTree>
+      <p:nvGrpSpPr>
+        <p:cNvPr id="1" name=""/>
+        <p:cNvGrpSpPr/>
+        <p:nvPr/>
+      </p:nvGrpSpPr>
+      <p:grpSpPr>
+        <a:xfrm>
+          <a:off x="0" y="0"/>
+          <a:ext cx="0" cy="0"/>
+          <a:chOff x="0" y="0"/>
+          <a:chExt cx="0" cy="0"/>
+        </a:xfrm>
+      </p:grpSpPr>
+      <p:sp>
+        <p:nvSpPr>
+          <p:cNvPr id="2" name="Slide Image Placeholder 1"/>
+          <p:cNvSpPr>
+            <a:spLocks noGrp="1" noRot="1" noChangeAspect="1"/>
+          </p:cNvSpPr>
+          <p:nvPr>
+            <p:ph type="sldImg"/>
+          </p:nvPr>
+        </p:nvSpPr>
+        <p:spPr/>
+      </p:sp>
+      <p:sp>
+        <p:nvSpPr>
+          <p:cNvPr id="3" name="Notes Placeholder 2"/>
+          <p:cNvSpPr>
+            <a:spLocks noGrp="1"/>
+          </p:cNvSpPr>
+          <p:nvPr>
+            <p:ph type="body" idx="1"/>
+          </p:nvPr>
+        </p:nvSpPr>
+        <p:spPr/>
+        <p:txBody>
+          <a:bodyPr/>
+          <a:lstStyle/>
+          <a:p>
+            <a:pPr marL="0" marR="0" lvl="0" indent="0" algn="l" defTabSz="914400" rtl="0" eaLnBrk="1" fontAlgn="auto" latinLnBrk="0" hangingPunct="1">
+              <a:lnSpc>
+                <a:spcPct val="100000"/>
+              </a:lnSpc>
+              <a:spcBef>
+                <a:spcPts val="0"/>
+              </a:spcBef>
+              <a:spcAft>
+                <a:spcPts val="0"/>
+              </a:spcAft>
+              <a:buClrTx/>
+              <a:buSzTx/>
+              <a:buFontTx/>
+              <a:buNone/>
+              <a:tabLst/>
+              <a:defRPr/>
+            </a:pPr>
+            <a:r>
+              <a:rPr lang="en-US" dirty="0"/>
+              <a:t>function crop () { </a:t>
+            </a:r>
+            <a:r>
+              <a:rPr lang="en-US" dirty="0" err="1"/>
+              <a:t>pdfcrop</a:t>
+            </a:r>
+            <a:r>
+              <a:rPr lang="en-US" dirty="0"/>
+              <a:t> --</a:t>
+            </a:r>
+            <a:r>
+              <a:rPr lang="en-US" dirty="0" err="1"/>
+              <a:t>ini</a:t>
+            </a:r>
+            <a:r>
+              <a:rPr lang="en-US" dirty="0"/>
+              <a:t> $1 $1 &amp; }</a:t>
+            </a:r>
+          </a:p>
+        </p:txBody>
+      </p:sp>
+      <p:sp>
+        <p:nvSpPr>
+          <p:cNvPr id="4" name="Slide Number Placeholder 3"/>
+          <p:cNvSpPr>
+            <a:spLocks noGrp="1"/>
+          </p:cNvSpPr>
+          <p:nvPr>
+            <p:ph type="sldNum" sz="quarter" idx="5"/>
+          </p:nvPr>
+        </p:nvSpPr>
+        <p:spPr/>
+        <p:txBody>
+          <a:bodyPr/>
+          <a:lstStyle/>
+          <a:p>
+            <a:fld id="{50B3E187-2E87-A84E-A563-AA0C1BDD3EA6}" type="slidenum">
+              <a:rPr lang="en-US" smtClean="0"/>
+              <a:t>8</a:t>
+            </a:fld>
+            <a:endParaRPr lang="en-US"/>
+          </a:p>
+        </p:txBody>
+      </p:sp>
+    </p:spTree>
+    <p:extLst>
+      <p:ext uri="{BB962C8B-B14F-4D97-AF65-F5344CB8AC3E}">
+        <p14:creationId xmlns:p14="http://schemas.microsoft.com/office/powerpoint/2010/main" val="1111991055"/>
+      </p:ext>
+    </p:extLst>
+  </p:cSld>
+  <p:clrMapOvr>
+    <a:masterClrMapping/>
+  </p:clrMapOvr>
+</p:notes>
+</file>
+
 <file path=ppt/slideLayouts/slideLayout1.xml><?xml version="1.0" encoding="utf-8"?>
 <p:sldLayout xmlns:a="http://schemas.openxmlformats.org/drawingml/2006/main" xmlns:r="http://schemas.openxmlformats.org/officeDocument/2006/relationships" xmlns:p="http://schemas.openxmlformats.org/presentationml/2006/main" type="title" preserve="1">
   <p:cSld name="Title Slide">
@@ -976,7 +1218,7 @@
           <a:p>
             <a:fld id="{4BF73426-F730-7B4D-8687-64917837F751}" type="datetimeFigureOut">
               <a:rPr lang="en-US" smtClean="0"/>
-              <a:t>7/11/25</a:t>
+              <a:t>7/18/25</a:t>
             </a:fld>
             <a:endParaRPr lang="en-US"/>
           </a:p>
@@ -1174,7 +1416,7 @@
           <a:p>
             <a:fld id="{4BF73426-F730-7B4D-8687-64917837F751}" type="datetimeFigureOut">
               <a:rPr lang="en-US" smtClean="0"/>
-              <a:t>7/11/25</a:t>
+              <a:t>7/18/25</a:t>
             </a:fld>
             <a:endParaRPr lang="en-US"/>
           </a:p>
@@ -1382,7 +1624,7 @@
           <a:p>
             <a:fld id="{4BF73426-F730-7B4D-8687-64917837F751}" type="datetimeFigureOut">
               <a:rPr lang="en-US" smtClean="0"/>
-              <a:t>7/11/25</a:t>
+              <a:t>7/18/25</a:t>
             </a:fld>
             <a:endParaRPr lang="en-US"/>
           </a:p>
@@ -1580,7 +1822,7 @@
           <a:p>
             <a:fld id="{4BF73426-F730-7B4D-8687-64917837F751}" type="datetimeFigureOut">
               <a:rPr lang="en-US" smtClean="0"/>
-              <a:t>7/11/25</a:t>
+              <a:t>7/18/25</a:t>
             </a:fld>
             <a:endParaRPr lang="en-US"/>
           </a:p>
@@ -1855,7 +2097,7 @@
           <a:p>
             <a:fld id="{4BF73426-F730-7B4D-8687-64917837F751}" type="datetimeFigureOut">
               <a:rPr lang="en-US" smtClean="0"/>
-              <a:t>7/11/25</a:t>
+              <a:t>7/18/25</a:t>
             </a:fld>
             <a:endParaRPr lang="en-US"/>
           </a:p>
@@ -2120,7 +2362,7 @@
           <a:p>
             <a:fld id="{4BF73426-F730-7B4D-8687-64917837F751}" type="datetimeFigureOut">
               <a:rPr lang="en-US" smtClean="0"/>
-              <a:t>7/11/25</a:t>
+              <a:t>7/18/25</a:t>
             </a:fld>
             <a:endParaRPr lang="en-US"/>
           </a:p>
@@ -2532,7 +2774,7 @@
           <a:p>
             <a:fld id="{4BF73426-F730-7B4D-8687-64917837F751}" type="datetimeFigureOut">
               <a:rPr lang="en-US" smtClean="0"/>
-              <a:t>7/11/25</a:t>
+              <a:t>7/18/25</a:t>
             </a:fld>
             <a:endParaRPr lang="en-US"/>
           </a:p>
@@ -2673,7 +2915,7 @@
           <a:p>
             <a:fld id="{4BF73426-F730-7B4D-8687-64917837F751}" type="datetimeFigureOut">
               <a:rPr lang="en-US" smtClean="0"/>
-              <a:t>7/11/25</a:t>
+              <a:t>7/18/25</a:t>
             </a:fld>
             <a:endParaRPr lang="en-US"/>
           </a:p>
@@ -2786,7 +3028,7 @@
           <a:p>
             <a:fld id="{4BF73426-F730-7B4D-8687-64917837F751}" type="datetimeFigureOut">
               <a:rPr lang="en-US" smtClean="0"/>
-              <a:t>7/11/25</a:t>
+              <a:t>7/18/25</a:t>
             </a:fld>
             <a:endParaRPr lang="en-US"/>
           </a:p>
@@ -3097,7 +3339,7 @@
           <a:p>
             <a:fld id="{4BF73426-F730-7B4D-8687-64917837F751}" type="datetimeFigureOut">
               <a:rPr lang="en-US" smtClean="0"/>
-              <a:t>7/11/25</a:t>
+              <a:t>7/18/25</a:t>
             </a:fld>
             <a:endParaRPr lang="en-US"/>
           </a:p>
@@ -3385,7 +3627,7 @@
           <a:p>
             <a:fld id="{4BF73426-F730-7B4D-8687-64917837F751}" type="datetimeFigureOut">
               <a:rPr lang="en-US" smtClean="0"/>
-              <a:t>7/11/25</a:t>
+              <a:t>7/18/25</a:t>
             </a:fld>
             <a:endParaRPr lang="en-US"/>
           </a:p>
@@ -3626,7 +3868,7 @@
           <a:p>
             <a:fld id="{4BF73426-F730-7B4D-8687-64917837F751}" type="datetimeFigureOut">
               <a:rPr lang="en-US" smtClean="0"/>
-              <a:t>7/11/25</a:t>
+              <a:t>7/18/25</a:t>
             </a:fld>
             <a:endParaRPr lang="en-US"/>
           </a:p>
@@ -14033,6 +14275,4853 @@
     <p:extLst>
       <p:ext uri="{BB962C8B-B14F-4D97-AF65-F5344CB8AC3E}">
         <p14:creationId xmlns:p14="http://schemas.microsoft.com/office/powerpoint/2010/main" val="936012229"/>
+      </p:ext>
+    </p:extLst>
+  </p:cSld>
+  <p:clrMapOvr>
+    <a:masterClrMapping/>
+  </p:clrMapOvr>
+</p:sld>
+</file>
+
+<file path=ppt/slides/slide7.xml><?xml version="1.0" encoding="utf-8"?>
+<p:sld xmlns:a="http://schemas.openxmlformats.org/drawingml/2006/main" xmlns:r="http://schemas.openxmlformats.org/officeDocument/2006/relationships" xmlns:p="http://schemas.openxmlformats.org/presentationml/2006/main">
+  <p:cSld>
+    <p:spTree>
+      <p:nvGrpSpPr>
+        <p:cNvPr id="1" name=""/>
+        <p:cNvGrpSpPr/>
+        <p:nvPr/>
+      </p:nvGrpSpPr>
+      <p:grpSpPr>
+        <a:xfrm>
+          <a:off x="0" y="0"/>
+          <a:ext cx="0" cy="0"/>
+          <a:chOff x="0" y="0"/>
+          <a:chExt cx="0" cy="0"/>
+        </a:xfrm>
+      </p:grpSpPr>
+      <p:sp>
+        <p:nvSpPr>
+          <p:cNvPr id="46" name="Rectangle 45">
+            <a:extLst>
+              <a:ext uri="{FF2B5EF4-FFF2-40B4-BE49-F238E27FC236}">
+                <a16:creationId xmlns:a16="http://schemas.microsoft.com/office/drawing/2014/main" id="{D09D0ECF-9D40-CDAD-3976-72E0ACB90122}"/>
+              </a:ext>
+            </a:extLst>
+          </p:cNvPr>
+          <p:cNvSpPr/>
+          <p:nvPr/>
+        </p:nvSpPr>
+        <p:spPr>
+          <a:xfrm>
+            <a:off x="7332514" y="2248289"/>
+            <a:ext cx="896112" cy="892553"/>
+          </a:xfrm>
+          <a:prstGeom prst="rect">
+            <a:avLst/>
+          </a:prstGeom>
+          <a:solidFill>
+            <a:schemeClr val="accent2"/>
+          </a:solidFill>
+        </p:spPr>
+        <p:style>
+          <a:lnRef idx="2">
+            <a:schemeClr val="accent1">
+              <a:shade val="15000"/>
+            </a:schemeClr>
+          </a:lnRef>
+          <a:fillRef idx="1">
+            <a:schemeClr val="accent1"/>
+          </a:fillRef>
+          <a:effectRef idx="0">
+            <a:schemeClr val="accent1"/>
+          </a:effectRef>
+          <a:fontRef idx="minor">
+            <a:schemeClr val="lt1"/>
+          </a:fontRef>
+        </p:style>
+        <p:txBody>
+          <a:bodyPr rtlCol="0" anchor="ctr"/>
+          <a:lstStyle/>
+          <a:p>
+            <a:pPr algn="ctr"/>
+            <a:endParaRPr lang="en-US" dirty="0"/>
+          </a:p>
+        </p:txBody>
+      </p:sp>
+      <p:cxnSp>
+        <p:nvCxnSpPr>
+          <p:cNvPr id="2" name="Elbow Connector 1">
+            <a:extLst>
+              <a:ext uri="{FF2B5EF4-FFF2-40B4-BE49-F238E27FC236}">
+                <a16:creationId xmlns:a16="http://schemas.microsoft.com/office/drawing/2014/main" id="{C6A74876-B22B-5949-2BBC-4AE53444CD17}"/>
+              </a:ext>
+            </a:extLst>
+          </p:cNvPr>
+          <p:cNvCxnSpPr>
+            <a:cxnSpLocks/>
+            <a:stCxn id="19" idx="3"/>
+            <a:endCxn id="23" idx="2"/>
+          </p:cNvCxnSpPr>
+          <p:nvPr/>
+        </p:nvCxnSpPr>
+        <p:spPr>
+          <a:xfrm flipV="1">
+            <a:off x="5977792" y="2423234"/>
+            <a:ext cx="173928" cy="240361"/>
+          </a:xfrm>
+          <a:prstGeom prst="bentConnector3">
+            <a:avLst>
+              <a:gd name="adj1" fmla="val 40080"/>
+            </a:avLst>
+          </a:prstGeom>
+          <a:ln>
+            <a:tailEnd type="triangle"/>
+          </a:ln>
+        </p:spPr>
+        <p:style>
+          <a:lnRef idx="2">
+            <a:schemeClr val="accent1"/>
+          </a:lnRef>
+          <a:fillRef idx="0">
+            <a:schemeClr val="accent1"/>
+          </a:fillRef>
+          <a:effectRef idx="1">
+            <a:schemeClr val="accent1"/>
+          </a:effectRef>
+          <a:fontRef idx="minor">
+            <a:schemeClr val="tx1"/>
+          </a:fontRef>
+        </p:style>
+      </p:cxnSp>
+      <p:cxnSp>
+        <p:nvCxnSpPr>
+          <p:cNvPr id="3" name="Elbow Connector 2">
+            <a:extLst>
+              <a:ext uri="{FF2B5EF4-FFF2-40B4-BE49-F238E27FC236}">
+                <a16:creationId xmlns:a16="http://schemas.microsoft.com/office/drawing/2014/main" id="{A89B5C2C-F442-5E7B-6B25-CB5A7D5908AD}"/>
+              </a:ext>
+            </a:extLst>
+          </p:cNvPr>
+          <p:cNvCxnSpPr>
+            <a:cxnSpLocks/>
+            <a:stCxn id="19" idx="3"/>
+            <a:endCxn id="24" idx="2"/>
+          </p:cNvCxnSpPr>
+          <p:nvPr/>
+        </p:nvCxnSpPr>
+        <p:spPr>
+          <a:xfrm>
+            <a:off x="5977792" y="2663595"/>
+            <a:ext cx="173927" cy="997313"/>
+          </a:xfrm>
+          <a:prstGeom prst="bentConnector3">
+            <a:avLst>
+              <a:gd name="adj1" fmla="val 40081"/>
+            </a:avLst>
+          </a:prstGeom>
+          <a:ln>
+            <a:tailEnd type="triangle"/>
+          </a:ln>
+        </p:spPr>
+        <p:style>
+          <a:lnRef idx="2">
+            <a:schemeClr val="accent1"/>
+          </a:lnRef>
+          <a:fillRef idx="0">
+            <a:schemeClr val="accent1"/>
+          </a:fillRef>
+          <a:effectRef idx="1">
+            <a:schemeClr val="accent1"/>
+          </a:effectRef>
+          <a:fontRef idx="minor">
+            <a:schemeClr val="tx1"/>
+          </a:fontRef>
+        </p:style>
+      </p:cxnSp>
+      <p:cxnSp>
+        <p:nvCxnSpPr>
+          <p:cNvPr id="4" name="Straight Arrow Connector 3">
+            <a:extLst>
+              <a:ext uri="{FF2B5EF4-FFF2-40B4-BE49-F238E27FC236}">
+                <a16:creationId xmlns:a16="http://schemas.microsoft.com/office/drawing/2014/main" id="{3D2D5809-6B22-839A-2E2D-004E1111A640}"/>
+              </a:ext>
+            </a:extLst>
+          </p:cNvPr>
+          <p:cNvCxnSpPr>
+            <a:cxnSpLocks/>
+            <a:stCxn id="35" idx="3"/>
+          </p:cNvCxnSpPr>
+          <p:nvPr/>
+        </p:nvCxnSpPr>
+        <p:spPr>
+          <a:xfrm>
+            <a:off x="4556458" y="2179797"/>
+            <a:ext cx="201168" cy="0"/>
+          </a:xfrm>
+          <a:prstGeom prst="straightConnector1">
+            <a:avLst/>
+          </a:prstGeom>
+          <a:ln>
+            <a:tailEnd type="triangle"/>
+          </a:ln>
+        </p:spPr>
+        <p:style>
+          <a:lnRef idx="2">
+            <a:schemeClr val="accent1"/>
+          </a:lnRef>
+          <a:fillRef idx="0">
+            <a:schemeClr val="accent1"/>
+          </a:fillRef>
+          <a:effectRef idx="1">
+            <a:schemeClr val="accent1"/>
+          </a:effectRef>
+          <a:fontRef idx="minor">
+            <a:schemeClr val="tx1"/>
+          </a:fontRef>
+        </p:style>
+      </p:cxnSp>
+      <p:cxnSp>
+        <p:nvCxnSpPr>
+          <p:cNvPr id="5" name="Straight Arrow Connector 4">
+            <a:extLst>
+              <a:ext uri="{FF2B5EF4-FFF2-40B4-BE49-F238E27FC236}">
+                <a16:creationId xmlns:a16="http://schemas.microsoft.com/office/drawing/2014/main" id="{694705D3-0141-1348-3F14-FCB5CA3AF68C}"/>
+              </a:ext>
+            </a:extLst>
+          </p:cNvPr>
+          <p:cNvCxnSpPr>
+            <a:cxnSpLocks/>
+            <a:stCxn id="33" idx="3"/>
+          </p:cNvCxnSpPr>
+          <p:nvPr/>
+        </p:nvCxnSpPr>
+        <p:spPr>
+          <a:xfrm>
+            <a:off x="4558882" y="1849149"/>
+            <a:ext cx="201168" cy="0"/>
+          </a:xfrm>
+          <a:prstGeom prst="straightConnector1">
+            <a:avLst/>
+          </a:prstGeom>
+          <a:ln>
+            <a:tailEnd type="triangle"/>
+          </a:ln>
+        </p:spPr>
+        <p:style>
+          <a:lnRef idx="2">
+            <a:schemeClr val="accent1"/>
+          </a:lnRef>
+          <a:fillRef idx="0">
+            <a:schemeClr val="accent1"/>
+          </a:fillRef>
+          <a:effectRef idx="1">
+            <a:schemeClr val="accent1"/>
+          </a:effectRef>
+          <a:fontRef idx="minor">
+            <a:schemeClr val="tx1"/>
+          </a:fontRef>
+        </p:style>
+      </p:cxnSp>
+      <p:cxnSp>
+        <p:nvCxnSpPr>
+          <p:cNvPr id="6" name="Elbow Connector 5">
+            <a:extLst>
+              <a:ext uri="{FF2B5EF4-FFF2-40B4-BE49-F238E27FC236}">
+                <a16:creationId xmlns:a16="http://schemas.microsoft.com/office/drawing/2014/main" id="{BCF45B2B-9954-DEAD-C28C-D3D78AA5F909}"/>
+              </a:ext>
+            </a:extLst>
+          </p:cNvPr>
+          <p:cNvCxnSpPr>
+            <a:cxnSpLocks/>
+            <a:stCxn id="23" idx="0"/>
+            <a:endCxn id="15" idx="1"/>
+          </p:cNvCxnSpPr>
+          <p:nvPr/>
+        </p:nvCxnSpPr>
+        <p:spPr>
+          <a:xfrm flipV="1">
+            <a:off x="7168155" y="1992233"/>
+            <a:ext cx="164358" cy="431001"/>
+          </a:xfrm>
+          <a:prstGeom prst="bentConnector3">
+            <a:avLst>
+              <a:gd name="adj1" fmla="val 31630"/>
+            </a:avLst>
+          </a:prstGeom>
+          <a:ln>
+            <a:tailEnd type="triangle"/>
+          </a:ln>
+        </p:spPr>
+        <p:style>
+          <a:lnRef idx="2">
+            <a:schemeClr val="accent1"/>
+          </a:lnRef>
+          <a:fillRef idx="0">
+            <a:schemeClr val="accent1"/>
+          </a:fillRef>
+          <a:effectRef idx="1">
+            <a:schemeClr val="accent1"/>
+          </a:effectRef>
+          <a:fontRef idx="minor">
+            <a:schemeClr val="tx1"/>
+          </a:fontRef>
+        </p:style>
+      </p:cxnSp>
+      <p:cxnSp>
+        <p:nvCxnSpPr>
+          <p:cNvPr id="7" name="Elbow Connector 6">
+            <a:extLst>
+              <a:ext uri="{FF2B5EF4-FFF2-40B4-BE49-F238E27FC236}">
+                <a16:creationId xmlns:a16="http://schemas.microsoft.com/office/drawing/2014/main" id="{5F4245F6-0365-A4D1-85EB-A04F87B013D5}"/>
+              </a:ext>
+            </a:extLst>
+          </p:cNvPr>
+          <p:cNvCxnSpPr>
+            <a:cxnSpLocks/>
+            <a:stCxn id="23" idx="0"/>
+            <a:endCxn id="46" idx="1"/>
+          </p:cNvCxnSpPr>
+          <p:nvPr/>
+        </p:nvCxnSpPr>
+        <p:spPr>
+          <a:xfrm>
+            <a:off x="7168155" y="2423234"/>
+            <a:ext cx="164359" cy="271332"/>
+          </a:xfrm>
+          <a:prstGeom prst="bentConnector3">
+            <a:avLst>
+              <a:gd name="adj1" fmla="val 31631"/>
+            </a:avLst>
+          </a:prstGeom>
+          <a:ln>
+            <a:tailEnd type="triangle"/>
+          </a:ln>
+        </p:spPr>
+        <p:style>
+          <a:lnRef idx="2">
+            <a:schemeClr val="accent1"/>
+          </a:lnRef>
+          <a:fillRef idx="0">
+            <a:schemeClr val="accent1"/>
+          </a:fillRef>
+          <a:effectRef idx="1">
+            <a:schemeClr val="accent1"/>
+          </a:effectRef>
+          <a:fontRef idx="minor">
+            <a:schemeClr val="tx1"/>
+          </a:fontRef>
+        </p:style>
+      </p:cxnSp>
+      <p:cxnSp>
+        <p:nvCxnSpPr>
+          <p:cNvPr id="8" name="Elbow Connector 7">
+            <a:extLst>
+              <a:ext uri="{FF2B5EF4-FFF2-40B4-BE49-F238E27FC236}">
+                <a16:creationId xmlns:a16="http://schemas.microsoft.com/office/drawing/2014/main" id="{86FC30EB-E71A-540B-4455-C8CD60C73A82}"/>
+              </a:ext>
+            </a:extLst>
+          </p:cNvPr>
+          <p:cNvCxnSpPr>
+            <a:cxnSpLocks/>
+            <a:stCxn id="24" idx="0"/>
+            <a:endCxn id="22" idx="1"/>
+          </p:cNvCxnSpPr>
+          <p:nvPr/>
+        </p:nvCxnSpPr>
+        <p:spPr>
+          <a:xfrm>
+            <a:off x="7169208" y="3660908"/>
+            <a:ext cx="163305" cy="224195"/>
+          </a:xfrm>
+          <a:prstGeom prst="bentConnector3">
+            <a:avLst>
+              <a:gd name="adj1" fmla="val 34153"/>
+            </a:avLst>
+          </a:prstGeom>
+          <a:ln>
+            <a:tailEnd type="triangle"/>
+          </a:ln>
+        </p:spPr>
+        <p:style>
+          <a:lnRef idx="2">
+            <a:schemeClr val="accent1"/>
+          </a:lnRef>
+          <a:fillRef idx="0">
+            <a:schemeClr val="accent1"/>
+          </a:fillRef>
+          <a:effectRef idx="1">
+            <a:schemeClr val="accent1"/>
+          </a:effectRef>
+          <a:fontRef idx="minor">
+            <a:schemeClr val="tx1"/>
+          </a:fontRef>
+        </p:style>
+      </p:cxnSp>
+      <p:cxnSp>
+        <p:nvCxnSpPr>
+          <p:cNvPr id="9" name="Elbow Connector 8">
+            <a:extLst>
+              <a:ext uri="{FF2B5EF4-FFF2-40B4-BE49-F238E27FC236}">
+                <a16:creationId xmlns:a16="http://schemas.microsoft.com/office/drawing/2014/main" id="{065BF50D-FEE7-AD03-ACB7-2BB93E9A309A}"/>
+              </a:ext>
+            </a:extLst>
+          </p:cNvPr>
+          <p:cNvCxnSpPr>
+            <a:cxnSpLocks/>
+            <a:stCxn id="24" idx="0"/>
+            <a:endCxn id="21" idx="1"/>
+          </p:cNvCxnSpPr>
+          <p:nvPr/>
+        </p:nvCxnSpPr>
+        <p:spPr>
+          <a:xfrm flipV="1">
+            <a:off x="7169208" y="3487069"/>
+            <a:ext cx="163305" cy="173839"/>
+          </a:xfrm>
+          <a:prstGeom prst="bentConnector3">
+            <a:avLst>
+              <a:gd name="adj1" fmla="val 34153"/>
+            </a:avLst>
+          </a:prstGeom>
+          <a:ln>
+            <a:tailEnd type="triangle"/>
+          </a:ln>
+        </p:spPr>
+        <p:style>
+          <a:lnRef idx="2">
+            <a:schemeClr val="accent1"/>
+          </a:lnRef>
+          <a:fillRef idx="0">
+            <a:schemeClr val="accent1"/>
+          </a:fillRef>
+          <a:effectRef idx="1">
+            <a:schemeClr val="accent1"/>
+          </a:effectRef>
+          <a:fontRef idx="minor">
+            <a:schemeClr val="tx1"/>
+          </a:fontRef>
+        </p:style>
+      </p:cxnSp>
+      <p:cxnSp>
+        <p:nvCxnSpPr>
+          <p:cNvPr id="12" name="Straight Connector 11">
+            <a:extLst>
+              <a:ext uri="{FF2B5EF4-FFF2-40B4-BE49-F238E27FC236}">
+                <a16:creationId xmlns:a16="http://schemas.microsoft.com/office/drawing/2014/main" id="{CBD95AA2-8321-DF8F-CF36-6291EDF1B404}"/>
+              </a:ext>
+            </a:extLst>
+          </p:cNvPr>
+          <p:cNvCxnSpPr>
+            <a:cxnSpLocks/>
+          </p:cNvCxnSpPr>
+          <p:nvPr/>
+        </p:nvCxnSpPr>
+        <p:spPr>
+          <a:xfrm flipV="1">
+            <a:off x="5982107" y="3186806"/>
+            <a:ext cx="72581" cy="691"/>
+          </a:xfrm>
+          <a:prstGeom prst="line">
+            <a:avLst/>
+          </a:prstGeom>
+        </p:spPr>
+        <p:style>
+          <a:lnRef idx="2">
+            <a:schemeClr val="accent1"/>
+          </a:lnRef>
+          <a:fillRef idx="0">
+            <a:schemeClr val="accent1"/>
+          </a:fillRef>
+          <a:effectRef idx="1">
+            <a:schemeClr val="accent1"/>
+          </a:effectRef>
+          <a:fontRef idx="minor">
+            <a:schemeClr val="tx1"/>
+          </a:fontRef>
+        </p:style>
+      </p:cxnSp>
+      <p:sp>
+        <p:nvSpPr>
+          <p:cNvPr id="14" name="Snip Diagonal Corner Rectangle 13">
+            <a:extLst>
+              <a:ext uri="{FF2B5EF4-FFF2-40B4-BE49-F238E27FC236}">
+                <a16:creationId xmlns:a16="http://schemas.microsoft.com/office/drawing/2014/main" id="{511E775A-C568-91EE-6B7E-BD6788574824}"/>
+              </a:ext>
+            </a:extLst>
+          </p:cNvPr>
+          <p:cNvSpPr/>
+          <p:nvPr/>
+        </p:nvSpPr>
+        <p:spPr>
+          <a:xfrm>
+            <a:off x="4755864" y="1512159"/>
+            <a:ext cx="305895" cy="2780732"/>
+          </a:xfrm>
+          <a:prstGeom prst="snip2DiagRect">
+            <a:avLst/>
+          </a:prstGeom>
+          <a:solidFill>
+            <a:schemeClr val="bg1">
+              <a:lumMod val="50000"/>
+            </a:schemeClr>
+          </a:solidFill>
+          <a:ln>
+            <a:solidFill>
+              <a:schemeClr val="tx1"/>
+            </a:solidFill>
+          </a:ln>
+        </p:spPr>
+        <p:style>
+          <a:lnRef idx="2">
+            <a:schemeClr val="accent2">
+              <a:shade val="15000"/>
+            </a:schemeClr>
+          </a:lnRef>
+          <a:fillRef idx="1">
+            <a:schemeClr val="accent2"/>
+          </a:fillRef>
+          <a:effectRef idx="0">
+            <a:schemeClr val="accent2"/>
+          </a:effectRef>
+          <a:fontRef idx="minor">
+            <a:schemeClr val="lt1"/>
+          </a:fontRef>
+        </p:style>
+        <p:txBody>
+          <a:bodyPr rtlCol="0" anchor="ctr"/>
+          <a:lstStyle/>
+          <a:p>
+            <a:r>
+              <a:rPr lang="en-US" sz="1400" dirty="0"/>
+              <a:t>LLM</a:t>
+            </a:r>
+          </a:p>
+        </p:txBody>
+      </p:sp>
+      <p:sp>
+        <p:nvSpPr>
+          <p:cNvPr id="15" name="TextBox 14">
+            <a:extLst>
+              <a:ext uri="{FF2B5EF4-FFF2-40B4-BE49-F238E27FC236}">
+                <a16:creationId xmlns:a16="http://schemas.microsoft.com/office/drawing/2014/main" id="{5582415E-9C06-6EE9-6917-5C559FBC1AD7}"/>
+              </a:ext>
+            </a:extLst>
+          </p:cNvPr>
+          <p:cNvSpPr txBox="1"/>
+          <p:nvPr/>
+        </p:nvSpPr>
+        <p:spPr>
+          <a:xfrm>
+            <a:off x="7332513" y="1853733"/>
+            <a:ext cx="896112" cy="276999"/>
+          </a:xfrm>
+          <a:prstGeom prst="rect">
+            <a:avLst/>
+          </a:prstGeom>
+          <a:solidFill>
+            <a:schemeClr val="accent6">
+              <a:lumMod val="60000"/>
+              <a:lumOff val="40000"/>
+            </a:schemeClr>
+          </a:solidFill>
+        </p:spPr>
+        <p:style>
+          <a:lnRef idx="2">
+            <a:schemeClr val="dk1"/>
+          </a:lnRef>
+          <a:fillRef idx="1">
+            <a:schemeClr val="lt1"/>
+          </a:fillRef>
+          <a:effectRef idx="0">
+            <a:schemeClr val="dk1"/>
+          </a:effectRef>
+          <a:fontRef idx="minor">
+            <a:schemeClr val="dk1"/>
+          </a:fontRef>
+        </p:style>
+        <p:txBody>
+          <a:bodyPr wrap="square" rtlCol="0">
+            <a:spAutoFit/>
+          </a:bodyPr>
+          <a:lstStyle/>
+          <a:p>
+            <a:endParaRPr lang="en-US" sz="1200" dirty="0">
+              <a:solidFill>
+                <a:schemeClr val="bg1"/>
+              </a:solidFill>
+            </a:endParaRPr>
+          </a:p>
+        </p:txBody>
+      </p:sp>
+      <p:sp>
+        <p:nvSpPr>
+          <p:cNvPr id="17" name="Snip Single Corner Rectangle 16">
+            <a:extLst>
+              <a:ext uri="{FF2B5EF4-FFF2-40B4-BE49-F238E27FC236}">
+                <a16:creationId xmlns:a16="http://schemas.microsoft.com/office/drawing/2014/main" id="{43F49695-92D7-EB94-97CB-13B5584546A6}"/>
+              </a:ext>
+            </a:extLst>
+          </p:cNvPr>
+          <p:cNvSpPr/>
+          <p:nvPr/>
+        </p:nvSpPr>
+        <p:spPr>
+          <a:xfrm>
+            <a:off x="5202530" y="2202161"/>
+            <a:ext cx="783890" cy="1280333"/>
+          </a:xfrm>
+          <a:prstGeom prst="snip1Rect">
+            <a:avLst/>
+          </a:prstGeom>
+        </p:spPr>
+        <p:style>
+          <a:lnRef idx="2">
+            <a:schemeClr val="dk1"/>
+          </a:lnRef>
+          <a:fillRef idx="1">
+            <a:schemeClr val="lt1"/>
+          </a:fillRef>
+          <a:effectRef idx="0">
+            <a:schemeClr val="dk1"/>
+          </a:effectRef>
+          <a:fontRef idx="minor">
+            <a:schemeClr val="dk1"/>
+          </a:fontRef>
+        </p:style>
+        <p:txBody>
+          <a:bodyPr rtlCol="0" anchor="ctr"/>
+          <a:lstStyle/>
+          <a:p>
+            <a:pPr algn="ctr"/>
+            <a:endParaRPr lang="en-US" sz="800" dirty="0"/>
+          </a:p>
+        </p:txBody>
+      </p:sp>
+      <p:sp>
+        <p:nvSpPr>
+          <p:cNvPr id="18" name="TextBox 17">
+            <a:extLst>
+              <a:ext uri="{FF2B5EF4-FFF2-40B4-BE49-F238E27FC236}">
+                <a16:creationId xmlns:a16="http://schemas.microsoft.com/office/drawing/2014/main" id="{6D005358-04ED-F5ED-A9E0-18D81870BD05}"/>
+              </a:ext>
+            </a:extLst>
+          </p:cNvPr>
+          <p:cNvSpPr txBox="1"/>
+          <p:nvPr/>
+        </p:nvSpPr>
+        <p:spPr>
+          <a:xfrm>
+            <a:off x="5202530" y="2144795"/>
+            <a:ext cx="736876" cy="307777"/>
+          </a:xfrm>
+          <a:prstGeom prst="rect">
+            <a:avLst/>
+          </a:prstGeom>
+          <a:noFill/>
+        </p:spPr>
+        <p:txBody>
+          <a:bodyPr wrap="square" rtlCol="0">
+            <a:spAutoFit/>
+          </a:bodyPr>
+          <a:lstStyle/>
+          <a:p>
+            <a:pPr algn="ctr"/>
+            <a:r>
+              <a:rPr lang="en-US" sz="1400" dirty="0" err="1"/>
+              <a:t>file.c</a:t>
+            </a:r>
+            <a:endParaRPr lang="en-US" sz="1400" dirty="0"/>
+          </a:p>
+        </p:txBody>
+      </p:sp>
+      <p:sp>
+        <p:nvSpPr>
+          <p:cNvPr id="19" name="TextBox 18">
+            <a:extLst>
+              <a:ext uri="{FF2B5EF4-FFF2-40B4-BE49-F238E27FC236}">
+                <a16:creationId xmlns:a16="http://schemas.microsoft.com/office/drawing/2014/main" id="{89DC7CC3-923A-5C5E-852D-CEAFC69C2033}"/>
+              </a:ext>
+            </a:extLst>
+          </p:cNvPr>
+          <p:cNvSpPr txBox="1"/>
+          <p:nvPr/>
+        </p:nvSpPr>
+        <p:spPr>
+          <a:xfrm>
+            <a:off x="5137536" y="2448151"/>
+            <a:ext cx="840256" cy="430887"/>
+          </a:xfrm>
+          <a:prstGeom prst="rect">
+            <a:avLst/>
+          </a:prstGeom>
+          <a:noFill/>
+        </p:spPr>
+        <p:txBody>
+          <a:bodyPr wrap="square" rtlCol="0">
+            <a:spAutoFit/>
+          </a:bodyPr>
+          <a:lstStyle/>
+          <a:p>
+            <a:r>
+              <a:rPr lang="en-US" sz="1100" b="1" dirty="0"/>
+              <a:t># Bug fix</a:t>
+            </a:r>
+          </a:p>
+          <a:p>
+            <a:r>
+              <a:rPr lang="en-US" sz="1100" b="1" dirty="0"/>
+              <a:t>foo’</a:t>
+            </a:r>
+            <a:r>
+              <a:rPr lang="en-US" sz="1100" dirty="0"/>
+              <a:t>(){…}</a:t>
+            </a:r>
+          </a:p>
+        </p:txBody>
+      </p:sp>
+      <p:sp>
+        <p:nvSpPr>
+          <p:cNvPr id="21" name="TextBox 20">
+            <a:extLst>
+              <a:ext uri="{FF2B5EF4-FFF2-40B4-BE49-F238E27FC236}">
+                <a16:creationId xmlns:a16="http://schemas.microsoft.com/office/drawing/2014/main" id="{27266CA1-8CFC-82E5-BFF6-CE671331167A}"/>
+              </a:ext>
+            </a:extLst>
+          </p:cNvPr>
+          <p:cNvSpPr txBox="1"/>
+          <p:nvPr/>
+        </p:nvSpPr>
+        <p:spPr>
+          <a:xfrm>
+            <a:off x="7332513" y="3348569"/>
+            <a:ext cx="896112" cy="276999"/>
+          </a:xfrm>
+          <a:prstGeom prst="rect">
+            <a:avLst/>
+          </a:prstGeom>
+          <a:solidFill>
+            <a:schemeClr val="accent6">
+              <a:lumMod val="60000"/>
+              <a:lumOff val="40000"/>
+            </a:schemeClr>
+          </a:solidFill>
+        </p:spPr>
+        <p:style>
+          <a:lnRef idx="2">
+            <a:schemeClr val="dk1"/>
+          </a:lnRef>
+          <a:fillRef idx="1">
+            <a:schemeClr val="lt1"/>
+          </a:fillRef>
+          <a:effectRef idx="0">
+            <a:schemeClr val="dk1"/>
+          </a:effectRef>
+          <a:fontRef idx="minor">
+            <a:schemeClr val="dk1"/>
+          </a:fontRef>
+        </p:style>
+        <p:txBody>
+          <a:bodyPr wrap="square" rtlCol="0">
+            <a:spAutoFit/>
+          </a:bodyPr>
+          <a:lstStyle/>
+          <a:p>
+            <a:endParaRPr lang="en-US" sz="1200" dirty="0">
+              <a:solidFill>
+                <a:schemeClr val="bg1"/>
+              </a:solidFill>
+            </a:endParaRPr>
+          </a:p>
+        </p:txBody>
+      </p:sp>
+      <p:sp>
+        <p:nvSpPr>
+          <p:cNvPr id="22" name="TextBox 21">
+            <a:extLst>
+              <a:ext uri="{FF2B5EF4-FFF2-40B4-BE49-F238E27FC236}">
+                <a16:creationId xmlns:a16="http://schemas.microsoft.com/office/drawing/2014/main" id="{3137AC2D-9808-5384-5687-2A7DD8303D28}"/>
+              </a:ext>
+            </a:extLst>
+          </p:cNvPr>
+          <p:cNvSpPr txBox="1"/>
+          <p:nvPr/>
+        </p:nvSpPr>
+        <p:spPr>
+          <a:xfrm>
+            <a:off x="7332513" y="3746603"/>
+            <a:ext cx="896112" cy="276999"/>
+          </a:xfrm>
+          <a:prstGeom prst="rect">
+            <a:avLst/>
+          </a:prstGeom>
+          <a:solidFill>
+            <a:schemeClr val="accent2"/>
+          </a:solidFill>
+        </p:spPr>
+        <p:style>
+          <a:lnRef idx="2">
+            <a:schemeClr val="dk1"/>
+          </a:lnRef>
+          <a:fillRef idx="1">
+            <a:schemeClr val="lt1"/>
+          </a:fillRef>
+          <a:effectRef idx="0">
+            <a:schemeClr val="dk1"/>
+          </a:effectRef>
+          <a:fontRef idx="minor">
+            <a:schemeClr val="dk1"/>
+          </a:fontRef>
+        </p:style>
+        <p:txBody>
+          <a:bodyPr wrap="square" rtlCol="0">
+            <a:spAutoFit/>
+          </a:bodyPr>
+          <a:lstStyle/>
+          <a:p>
+            <a:endParaRPr lang="en-US" sz="1200" dirty="0">
+              <a:solidFill>
+                <a:schemeClr val="bg1"/>
+              </a:solidFill>
+            </a:endParaRPr>
+          </a:p>
+        </p:txBody>
+      </p:sp>
+      <p:sp>
+        <p:nvSpPr>
+          <p:cNvPr id="23" name="Snip Diagonal Corner Rectangle 22">
+            <a:extLst>
+              <a:ext uri="{FF2B5EF4-FFF2-40B4-BE49-F238E27FC236}">
+                <a16:creationId xmlns:a16="http://schemas.microsoft.com/office/drawing/2014/main" id="{BE1E489B-01E5-73E4-5CD5-FDC3E6E15DD5}"/>
+              </a:ext>
+            </a:extLst>
+          </p:cNvPr>
+          <p:cNvSpPr/>
+          <p:nvPr/>
+        </p:nvSpPr>
+        <p:spPr>
+          <a:xfrm>
+            <a:off x="6151720" y="1910201"/>
+            <a:ext cx="1016435" cy="1026066"/>
+          </a:xfrm>
+          <a:prstGeom prst="snip2DiagRect">
+            <a:avLst/>
+          </a:prstGeom>
+          <a:solidFill>
+            <a:schemeClr val="bg1">
+              <a:lumMod val="50000"/>
+            </a:schemeClr>
+          </a:solidFill>
+          <a:ln>
+            <a:solidFill>
+              <a:schemeClr val="tx1"/>
+            </a:solidFill>
+          </a:ln>
+        </p:spPr>
+        <p:style>
+          <a:lnRef idx="2">
+            <a:schemeClr val="accent2">
+              <a:shade val="15000"/>
+            </a:schemeClr>
+          </a:lnRef>
+          <a:fillRef idx="1">
+            <a:schemeClr val="accent2"/>
+          </a:fillRef>
+          <a:effectRef idx="0">
+            <a:schemeClr val="accent2"/>
+          </a:effectRef>
+          <a:fontRef idx="minor">
+            <a:schemeClr val="lt1"/>
+          </a:fontRef>
+        </p:style>
+        <p:txBody>
+          <a:bodyPr rtlCol="0" anchor="ctr"/>
+          <a:lstStyle/>
+          <a:p>
+            <a:pPr algn="ctr"/>
+            <a:endParaRPr lang="en-US" sz="1400" dirty="0"/>
+          </a:p>
+        </p:txBody>
+      </p:sp>
+      <p:sp>
+        <p:nvSpPr>
+          <p:cNvPr id="24" name="Snip Diagonal Corner Rectangle 23">
+            <a:extLst>
+              <a:ext uri="{FF2B5EF4-FFF2-40B4-BE49-F238E27FC236}">
+                <a16:creationId xmlns:a16="http://schemas.microsoft.com/office/drawing/2014/main" id="{F2E27813-8A86-F48C-3CF3-762F70DFB51F}"/>
+              </a:ext>
+            </a:extLst>
+          </p:cNvPr>
+          <p:cNvSpPr/>
+          <p:nvPr/>
+        </p:nvSpPr>
+        <p:spPr>
+          <a:xfrm>
+            <a:off x="6151719" y="3248362"/>
+            <a:ext cx="1017489" cy="825092"/>
+          </a:xfrm>
+          <a:prstGeom prst="snip2DiagRect">
+            <a:avLst/>
+          </a:prstGeom>
+          <a:solidFill>
+            <a:schemeClr val="bg1">
+              <a:lumMod val="50000"/>
+            </a:schemeClr>
+          </a:solidFill>
+          <a:ln>
+            <a:solidFill>
+              <a:schemeClr val="tx1"/>
+            </a:solidFill>
+          </a:ln>
+        </p:spPr>
+        <p:style>
+          <a:lnRef idx="2">
+            <a:schemeClr val="accent2">
+              <a:shade val="15000"/>
+            </a:schemeClr>
+          </a:lnRef>
+          <a:fillRef idx="1">
+            <a:schemeClr val="accent2"/>
+          </a:fillRef>
+          <a:effectRef idx="0">
+            <a:schemeClr val="accent2"/>
+          </a:effectRef>
+          <a:fontRef idx="minor">
+            <a:schemeClr val="lt1"/>
+          </a:fontRef>
+        </p:style>
+        <p:txBody>
+          <a:bodyPr rtlCol="0" anchor="ctr"/>
+          <a:lstStyle/>
+          <a:p>
+            <a:pPr algn="ctr"/>
+            <a:endParaRPr lang="en-US" sz="1400" dirty="0"/>
+          </a:p>
+        </p:txBody>
+      </p:sp>
+      <p:sp>
+        <p:nvSpPr>
+          <p:cNvPr id="29" name="Snip Single Corner Rectangle 28">
+            <a:extLst>
+              <a:ext uri="{FF2B5EF4-FFF2-40B4-BE49-F238E27FC236}">
+                <a16:creationId xmlns:a16="http://schemas.microsoft.com/office/drawing/2014/main" id="{75CE1421-4164-60DE-C6A4-0372566E952D}"/>
+              </a:ext>
+            </a:extLst>
+          </p:cNvPr>
+          <p:cNvSpPr/>
+          <p:nvPr/>
+        </p:nvSpPr>
+        <p:spPr>
+          <a:xfrm>
+            <a:off x="3602467" y="2455546"/>
+            <a:ext cx="750611" cy="814014"/>
+          </a:xfrm>
+          <a:prstGeom prst="snip1Rect">
+            <a:avLst/>
+          </a:prstGeom>
+        </p:spPr>
+        <p:style>
+          <a:lnRef idx="2">
+            <a:schemeClr val="dk1"/>
+          </a:lnRef>
+          <a:fillRef idx="1">
+            <a:schemeClr val="lt1"/>
+          </a:fillRef>
+          <a:effectRef idx="0">
+            <a:schemeClr val="dk1"/>
+          </a:effectRef>
+          <a:fontRef idx="minor">
+            <a:schemeClr val="dk1"/>
+          </a:fontRef>
+        </p:style>
+        <p:txBody>
+          <a:bodyPr rtlCol="0" anchor="ctr"/>
+          <a:lstStyle/>
+          <a:p>
+            <a:pPr algn="ctr"/>
+            <a:endParaRPr lang="en-US" sz="1400" dirty="0"/>
+          </a:p>
+        </p:txBody>
+      </p:sp>
+      <p:sp>
+        <p:nvSpPr>
+          <p:cNvPr id="30" name="Snip Single Corner Rectangle 29">
+            <a:extLst>
+              <a:ext uri="{FF2B5EF4-FFF2-40B4-BE49-F238E27FC236}">
+                <a16:creationId xmlns:a16="http://schemas.microsoft.com/office/drawing/2014/main" id="{7EA403F3-EB21-C1DB-38F9-FDC6E051AC5E}"/>
+              </a:ext>
+            </a:extLst>
+          </p:cNvPr>
+          <p:cNvSpPr/>
+          <p:nvPr/>
+        </p:nvSpPr>
+        <p:spPr>
+          <a:xfrm>
+            <a:off x="3658045" y="2489608"/>
+            <a:ext cx="750611" cy="814014"/>
+          </a:xfrm>
+          <a:prstGeom prst="snip1Rect">
+            <a:avLst/>
+          </a:prstGeom>
+        </p:spPr>
+        <p:style>
+          <a:lnRef idx="2">
+            <a:schemeClr val="dk1"/>
+          </a:lnRef>
+          <a:fillRef idx="1">
+            <a:schemeClr val="lt1"/>
+          </a:fillRef>
+          <a:effectRef idx="0">
+            <a:schemeClr val="dk1"/>
+          </a:effectRef>
+          <a:fontRef idx="minor">
+            <a:schemeClr val="dk1"/>
+          </a:fontRef>
+        </p:style>
+        <p:txBody>
+          <a:bodyPr rtlCol="0" anchor="ctr"/>
+          <a:lstStyle/>
+          <a:p>
+            <a:pPr algn="ctr"/>
+            <a:endParaRPr lang="en-US" sz="1400" dirty="0"/>
+          </a:p>
+        </p:txBody>
+      </p:sp>
+      <p:sp>
+        <p:nvSpPr>
+          <p:cNvPr id="31" name="Snip Single Corner Rectangle 30">
+            <a:extLst>
+              <a:ext uri="{FF2B5EF4-FFF2-40B4-BE49-F238E27FC236}">
+                <a16:creationId xmlns:a16="http://schemas.microsoft.com/office/drawing/2014/main" id="{76576417-313E-7CBD-C3EA-33C6E484B327}"/>
+              </a:ext>
+            </a:extLst>
+          </p:cNvPr>
+          <p:cNvSpPr/>
+          <p:nvPr/>
+        </p:nvSpPr>
+        <p:spPr>
+          <a:xfrm>
+            <a:off x="3713623" y="2523670"/>
+            <a:ext cx="750611" cy="814014"/>
+          </a:xfrm>
+          <a:prstGeom prst="snip1Rect">
+            <a:avLst/>
+          </a:prstGeom>
+        </p:spPr>
+        <p:style>
+          <a:lnRef idx="2">
+            <a:schemeClr val="dk1"/>
+          </a:lnRef>
+          <a:fillRef idx="1">
+            <a:schemeClr val="lt1"/>
+          </a:fillRef>
+          <a:effectRef idx="0">
+            <a:schemeClr val="dk1"/>
+          </a:effectRef>
+          <a:fontRef idx="minor">
+            <a:schemeClr val="dk1"/>
+          </a:fontRef>
+        </p:style>
+        <p:txBody>
+          <a:bodyPr rtlCol="0" anchor="ctr"/>
+          <a:lstStyle/>
+          <a:p>
+            <a:pPr algn="ctr"/>
+            <a:endParaRPr lang="en-US" sz="800" dirty="0"/>
+          </a:p>
+        </p:txBody>
+      </p:sp>
+      <p:sp>
+        <p:nvSpPr>
+          <p:cNvPr id="32" name="TextBox 31">
+            <a:extLst>
+              <a:ext uri="{FF2B5EF4-FFF2-40B4-BE49-F238E27FC236}">
+                <a16:creationId xmlns:a16="http://schemas.microsoft.com/office/drawing/2014/main" id="{D460234A-F16D-AE09-FB32-F7B1AAB2E3D9}"/>
+              </a:ext>
+            </a:extLst>
+          </p:cNvPr>
+          <p:cNvSpPr txBox="1"/>
+          <p:nvPr/>
+        </p:nvSpPr>
+        <p:spPr>
+          <a:xfrm>
+            <a:off x="3713623" y="2515142"/>
+            <a:ext cx="750611" cy="307777"/>
+          </a:xfrm>
+          <a:prstGeom prst="rect">
+            <a:avLst/>
+          </a:prstGeom>
+          <a:noFill/>
+        </p:spPr>
+        <p:txBody>
+          <a:bodyPr wrap="square" rtlCol="0">
+            <a:spAutoFit/>
+          </a:bodyPr>
+          <a:lstStyle/>
+          <a:p>
+            <a:pPr algn="ctr"/>
+            <a:r>
+              <a:rPr lang="en-US" sz="1400" dirty="0" err="1"/>
+              <a:t>file.c</a:t>
+            </a:r>
+            <a:endParaRPr lang="en-US" sz="1400" dirty="0"/>
+          </a:p>
+        </p:txBody>
+      </p:sp>
+      <p:sp>
+        <p:nvSpPr>
+          <p:cNvPr id="33" name="Rectangle 32">
+            <a:extLst>
+              <a:ext uri="{FF2B5EF4-FFF2-40B4-BE49-F238E27FC236}">
+                <a16:creationId xmlns:a16="http://schemas.microsoft.com/office/drawing/2014/main" id="{91EA424F-111F-7082-9494-E7E0CBF99170}"/>
+              </a:ext>
+            </a:extLst>
+          </p:cNvPr>
+          <p:cNvSpPr/>
+          <p:nvPr/>
+        </p:nvSpPr>
+        <p:spPr>
+          <a:xfrm>
+            <a:off x="3263536" y="1726038"/>
+            <a:ext cx="1295347" cy="246221"/>
+          </a:xfrm>
+          <a:prstGeom prst="rect">
+            <a:avLst/>
+          </a:prstGeom>
+          <a:solidFill>
+            <a:schemeClr val="bg1"/>
+          </a:solidFill>
+        </p:spPr>
+        <p:style>
+          <a:lnRef idx="2">
+            <a:schemeClr val="dk1"/>
+          </a:lnRef>
+          <a:fillRef idx="1">
+            <a:schemeClr val="lt1"/>
+          </a:fillRef>
+          <a:effectRef idx="0">
+            <a:schemeClr val="dk1"/>
+          </a:effectRef>
+          <a:fontRef idx="minor">
+            <a:schemeClr val="dk1"/>
+          </a:fontRef>
+        </p:style>
+        <p:txBody>
+          <a:bodyPr rtlCol="0" anchor="ctr"/>
+          <a:lstStyle/>
+          <a:p>
+            <a:pPr algn="ctr"/>
+            <a:endParaRPr lang="en-US" sz="1400" dirty="0">
+              <a:solidFill>
+                <a:schemeClr val="bg1"/>
+              </a:solidFill>
+            </a:endParaRPr>
+          </a:p>
+        </p:txBody>
+      </p:sp>
+      <p:sp>
+        <p:nvSpPr>
+          <p:cNvPr id="34" name="TextBox 33">
+            <a:extLst>
+              <a:ext uri="{FF2B5EF4-FFF2-40B4-BE49-F238E27FC236}">
+                <a16:creationId xmlns:a16="http://schemas.microsoft.com/office/drawing/2014/main" id="{89DCCD75-B6C8-D13F-3EB9-CF74CDEE7752}"/>
+              </a:ext>
+            </a:extLst>
+          </p:cNvPr>
+          <p:cNvSpPr txBox="1"/>
+          <p:nvPr/>
+        </p:nvSpPr>
+        <p:spPr>
+          <a:xfrm>
+            <a:off x="3262404" y="1736157"/>
+            <a:ext cx="1269183" cy="246221"/>
+          </a:xfrm>
+          <a:prstGeom prst="rect">
+            <a:avLst/>
+          </a:prstGeom>
+          <a:noFill/>
+        </p:spPr>
+        <p:txBody>
+          <a:bodyPr wrap="square" rtlCol="0">
+            <a:spAutoFit/>
+          </a:bodyPr>
+          <a:lstStyle/>
+          <a:p>
+            <a:r>
+              <a:rPr lang="en-US" sz="1000" dirty="0"/>
+              <a:t>Bug Fixing Prompt</a:t>
+            </a:r>
+          </a:p>
+        </p:txBody>
+      </p:sp>
+      <p:sp>
+        <p:nvSpPr>
+          <p:cNvPr id="35" name="Rectangle 34">
+            <a:extLst>
+              <a:ext uri="{FF2B5EF4-FFF2-40B4-BE49-F238E27FC236}">
+                <a16:creationId xmlns:a16="http://schemas.microsoft.com/office/drawing/2014/main" id="{67694E33-A33C-DA8B-BBE4-3974073B0BFF}"/>
+              </a:ext>
+            </a:extLst>
+          </p:cNvPr>
+          <p:cNvSpPr/>
+          <p:nvPr/>
+        </p:nvSpPr>
+        <p:spPr>
+          <a:xfrm>
+            <a:off x="3262404" y="2050030"/>
+            <a:ext cx="1294055" cy="259534"/>
+          </a:xfrm>
+          <a:prstGeom prst="rect">
+            <a:avLst/>
+          </a:prstGeom>
+          <a:solidFill>
+            <a:schemeClr val="bg1"/>
+          </a:solidFill>
+        </p:spPr>
+        <p:style>
+          <a:lnRef idx="2">
+            <a:schemeClr val="dk1"/>
+          </a:lnRef>
+          <a:fillRef idx="1">
+            <a:schemeClr val="lt1"/>
+          </a:fillRef>
+          <a:effectRef idx="0">
+            <a:schemeClr val="dk1"/>
+          </a:effectRef>
+          <a:fontRef idx="minor">
+            <a:schemeClr val="dk1"/>
+          </a:fontRef>
+        </p:style>
+        <p:txBody>
+          <a:bodyPr rtlCol="0" anchor="ctr"/>
+          <a:lstStyle/>
+          <a:p>
+            <a:pPr algn="ctr"/>
+            <a:endParaRPr lang="en-US" sz="1400" dirty="0">
+              <a:solidFill>
+                <a:schemeClr val="bg1"/>
+              </a:solidFill>
+            </a:endParaRPr>
+          </a:p>
+        </p:txBody>
+      </p:sp>
+      <p:sp>
+        <p:nvSpPr>
+          <p:cNvPr id="36" name="TextBox 35">
+            <a:extLst>
+              <a:ext uri="{FF2B5EF4-FFF2-40B4-BE49-F238E27FC236}">
+                <a16:creationId xmlns:a16="http://schemas.microsoft.com/office/drawing/2014/main" id="{A663793F-859C-A9E7-89B5-C24C79E46C1C}"/>
+              </a:ext>
+            </a:extLst>
+          </p:cNvPr>
+          <p:cNvSpPr txBox="1"/>
+          <p:nvPr/>
+        </p:nvSpPr>
+        <p:spPr>
+          <a:xfrm>
+            <a:off x="3221887" y="2055267"/>
+            <a:ext cx="1425205" cy="246221"/>
+          </a:xfrm>
+          <a:prstGeom prst="rect">
+            <a:avLst/>
+          </a:prstGeom>
+          <a:noFill/>
+        </p:spPr>
+        <p:txBody>
+          <a:bodyPr wrap="square" rtlCol="0">
+            <a:spAutoFit/>
+          </a:bodyPr>
+          <a:lstStyle/>
+          <a:p>
+            <a:r>
+              <a:rPr lang="en-US" sz="1000" dirty="0"/>
+              <a:t>New Function Prompt</a:t>
+            </a:r>
+          </a:p>
+        </p:txBody>
+      </p:sp>
+      <p:sp>
+        <p:nvSpPr>
+          <p:cNvPr id="39" name="TextBox 38">
+            <a:extLst>
+              <a:ext uri="{FF2B5EF4-FFF2-40B4-BE49-F238E27FC236}">
+                <a16:creationId xmlns:a16="http://schemas.microsoft.com/office/drawing/2014/main" id="{A7334966-8165-C6E1-8448-43019C9BA3A2}"/>
+              </a:ext>
+            </a:extLst>
+          </p:cNvPr>
+          <p:cNvSpPr txBox="1"/>
+          <p:nvPr/>
+        </p:nvSpPr>
+        <p:spPr>
+          <a:xfrm>
+            <a:off x="5137535" y="2943023"/>
+            <a:ext cx="945139" cy="430887"/>
+          </a:xfrm>
+          <a:prstGeom prst="rect">
+            <a:avLst/>
+          </a:prstGeom>
+          <a:noFill/>
+        </p:spPr>
+        <p:txBody>
+          <a:bodyPr wrap="square" rtlCol="0">
+            <a:spAutoFit/>
+          </a:bodyPr>
+          <a:lstStyle/>
+          <a:p>
+            <a:r>
+              <a:rPr lang="en-US" sz="1100" b="1" dirty="0"/>
+              <a:t># New Func</a:t>
+            </a:r>
+          </a:p>
+          <a:p>
+            <a:r>
+              <a:rPr lang="en-US" sz="1100" b="1" dirty="0"/>
+              <a:t>bar</a:t>
+            </a:r>
+            <a:r>
+              <a:rPr lang="en-US" sz="1100" dirty="0"/>
+              <a:t>(){…}</a:t>
+            </a:r>
+          </a:p>
+        </p:txBody>
+      </p:sp>
+      <p:sp>
+        <p:nvSpPr>
+          <p:cNvPr id="40" name="TextBox 39">
+            <a:extLst>
+              <a:ext uri="{FF2B5EF4-FFF2-40B4-BE49-F238E27FC236}">
+                <a16:creationId xmlns:a16="http://schemas.microsoft.com/office/drawing/2014/main" id="{A56A1C29-A948-E348-8B2A-9FC00B503052}"/>
+              </a:ext>
+            </a:extLst>
+          </p:cNvPr>
+          <p:cNvSpPr txBox="1"/>
+          <p:nvPr/>
+        </p:nvSpPr>
+        <p:spPr>
+          <a:xfrm>
+            <a:off x="6107280" y="3405706"/>
+            <a:ext cx="1122346" cy="523220"/>
+          </a:xfrm>
+          <a:prstGeom prst="rect">
+            <a:avLst/>
+          </a:prstGeom>
+          <a:noFill/>
+        </p:spPr>
+        <p:txBody>
+          <a:bodyPr wrap="square" rtlCol="0">
+            <a:spAutoFit/>
+          </a:bodyPr>
+          <a:lstStyle/>
+          <a:p>
+            <a:pPr algn="ctr"/>
+            <a:r>
+              <a:rPr lang="en-US" sz="1400" b="1" dirty="0">
+                <a:solidFill>
+                  <a:schemeClr val="bg1"/>
+                </a:solidFill>
+              </a:rPr>
+              <a:t>Validation:</a:t>
+            </a:r>
+            <a:r>
+              <a:rPr lang="en-US" sz="1400" dirty="0">
+                <a:solidFill>
+                  <a:schemeClr val="bg1"/>
+                </a:solidFill>
+              </a:rPr>
+              <a:t> </a:t>
+            </a:r>
+            <a:r>
+              <a:rPr lang="en-US" sz="1300" dirty="0">
+                <a:solidFill>
+                  <a:schemeClr val="bg1"/>
+                </a:solidFill>
+              </a:rPr>
+              <a:t>Test Suite</a:t>
+            </a:r>
+          </a:p>
+        </p:txBody>
+      </p:sp>
+      <p:sp>
+        <p:nvSpPr>
+          <p:cNvPr id="41" name="TextBox 40">
+            <a:extLst>
+              <a:ext uri="{FF2B5EF4-FFF2-40B4-BE49-F238E27FC236}">
+                <a16:creationId xmlns:a16="http://schemas.microsoft.com/office/drawing/2014/main" id="{2EC175C6-1DB4-569D-0A99-0F1BD3284026}"/>
+              </a:ext>
+            </a:extLst>
+          </p:cNvPr>
+          <p:cNvSpPr txBox="1"/>
+          <p:nvPr/>
+        </p:nvSpPr>
+        <p:spPr>
+          <a:xfrm>
+            <a:off x="6063314" y="1961801"/>
+            <a:ext cx="1214944" cy="907941"/>
+          </a:xfrm>
+          <a:prstGeom prst="rect">
+            <a:avLst/>
+          </a:prstGeom>
+          <a:noFill/>
+        </p:spPr>
+        <p:txBody>
+          <a:bodyPr wrap="square" rtlCol="0">
+            <a:spAutoFit/>
+          </a:bodyPr>
+          <a:lstStyle/>
+          <a:p>
+            <a:pPr algn="ctr"/>
+            <a:r>
+              <a:rPr lang="en-US" sz="1400" b="1" dirty="0">
+                <a:solidFill>
+                  <a:schemeClr val="bg1"/>
+                </a:solidFill>
+              </a:rPr>
+              <a:t>Verification:</a:t>
+            </a:r>
+          </a:p>
+          <a:p>
+            <a:pPr algn="ctr"/>
+            <a:r>
+              <a:rPr lang="en-US" sz="1300" dirty="0">
+                <a:solidFill>
+                  <a:schemeClr val="bg1"/>
+                </a:solidFill>
+              </a:rPr>
+              <a:t>Static Analyzer (Clang)</a:t>
+            </a:r>
+          </a:p>
+        </p:txBody>
+      </p:sp>
+      <p:sp>
+        <p:nvSpPr>
+          <p:cNvPr id="26" name="TextBox 25">
+            <a:extLst>
+              <a:ext uri="{FF2B5EF4-FFF2-40B4-BE49-F238E27FC236}">
+                <a16:creationId xmlns:a16="http://schemas.microsoft.com/office/drawing/2014/main" id="{001308CC-ACC9-1D56-D808-CF55ABDA5C6F}"/>
+              </a:ext>
+            </a:extLst>
+          </p:cNvPr>
+          <p:cNvSpPr txBox="1"/>
+          <p:nvPr/>
+        </p:nvSpPr>
+        <p:spPr>
+          <a:xfrm>
+            <a:off x="3664912" y="2779807"/>
+            <a:ext cx="736876" cy="261610"/>
+          </a:xfrm>
+          <a:prstGeom prst="rect">
+            <a:avLst/>
+          </a:prstGeom>
+          <a:noFill/>
+        </p:spPr>
+        <p:txBody>
+          <a:bodyPr wrap="square" rtlCol="0">
+            <a:spAutoFit/>
+          </a:bodyPr>
+          <a:lstStyle/>
+          <a:p>
+            <a:r>
+              <a:rPr lang="en-US" sz="1100" dirty="0"/>
+              <a:t>foo(){…}</a:t>
+            </a:r>
+          </a:p>
+        </p:txBody>
+      </p:sp>
+      <p:cxnSp>
+        <p:nvCxnSpPr>
+          <p:cNvPr id="66" name="Straight Arrow Connector 65">
+            <a:extLst>
+              <a:ext uri="{FF2B5EF4-FFF2-40B4-BE49-F238E27FC236}">
+                <a16:creationId xmlns:a16="http://schemas.microsoft.com/office/drawing/2014/main" id="{AA3A5A9C-F826-B0EA-3CA6-2D770C88BF7D}"/>
+              </a:ext>
+            </a:extLst>
+          </p:cNvPr>
+          <p:cNvCxnSpPr>
+            <a:cxnSpLocks/>
+            <a:stCxn id="31" idx="0"/>
+            <a:endCxn id="14" idx="2"/>
+          </p:cNvCxnSpPr>
+          <p:nvPr/>
+        </p:nvCxnSpPr>
+        <p:spPr>
+          <a:xfrm flipV="1">
+            <a:off x="4464234" y="2902525"/>
+            <a:ext cx="291630" cy="0"/>
+          </a:xfrm>
+          <a:prstGeom prst="straightConnector1">
+            <a:avLst/>
+          </a:prstGeom>
+          <a:ln>
+            <a:tailEnd type="triangle"/>
+          </a:ln>
+        </p:spPr>
+        <p:style>
+          <a:lnRef idx="2">
+            <a:schemeClr val="accent1"/>
+          </a:lnRef>
+          <a:fillRef idx="0">
+            <a:schemeClr val="accent1"/>
+          </a:fillRef>
+          <a:effectRef idx="1">
+            <a:schemeClr val="accent1"/>
+          </a:effectRef>
+          <a:fontRef idx="minor">
+            <a:schemeClr val="tx1"/>
+          </a:fontRef>
+        </p:style>
+      </p:cxnSp>
+      <p:sp>
+        <p:nvSpPr>
+          <p:cNvPr id="44" name="Can 43">
+            <a:extLst>
+              <a:ext uri="{FF2B5EF4-FFF2-40B4-BE49-F238E27FC236}">
+                <a16:creationId xmlns:a16="http://schemas.microsoft.com/office/drawing/2014/main" id="{E888FD35-3DCD-5F22-C3CA-BC67DD752644}"/>
+              </a:ext>
+            </a:extLst>
+          </p:cNvPr>
+          <p:cNvSpPr/>
+          <p:nvPr/>
+        </p:nvSpPr>
+        <p:spPr>
+          <a:xfrm>
+            <a:off x="2588994" y="2604010"/>
+            <a:ext cx="893116" cy="516785"/>
+          </a:xfrm>
+          <a:prstGeom prst="can">
+            <a:avLst>
+              <a:gd name="adj" fmla="val 11266"/>
+            </a:avLst>
+          </a:prstGeom>
+          <a:solidFill>
+            <a:schemeClr val="bg1">
+              <a:lumMod val="85000"/>
+            </a:schemeClr>
+          </a:solidFill>
+        </p:spPr>
+        <p:style>
+          <a:lnRef idx="2">
+            <a:schemeClr val="accent1">
+              <a:shade val="15000"/>
+            </a:schemeClr>
+          </a:lnRef>
+          <a:fillRef idx="1">
+            <a:schemeClr val="accent1"/>
+          </a:fillRef>
+          <a:effectRef idx="0">
+            <a:schemeClr val="accent1"/>
+          </a:effectRef>
+          <a:fontRef idx="minor">
+            <a:schemeClr val="lt1"/>
+          </a:fontRef>
+        </p:style>
+        <p:txBody>
+          <a:bodyPr rtlCol="0" anchor="ctr"/>
+          <a:lstStyle/>
+          <a:p>
+            <a:pPr algn="ctr"/>
+            <a:endParaRPr lang="en-US"/>
+          </a:p>
+        </p:txBody>
+      </p:sp>
+      <p:sp>
+        <p:nvSpPr>
+          <p:cNvPr id="47" name="TextBox 46">
+            <a:extLst>
+              <a:ext uri="{FF2B5EF4-FFF2-40B4-BE49-F238E27FC236}">
+                <a16:creationId xmlns:a16="http://schemas.microsoft.com/office/drawing/2014/main" id="{72CB0A04-A48C-A68D-68C3-F02593204127}"/>
+              </a:ext>
+            </a:extLst>
+          </p:cNvPr>
+          <p:cNvSpPr txBox="1"/>
+          <p:nvPr/>
+        </p:nvSpPr>
+        <p:spPr>
+          <a:xfrm>
+            <a:off x="2482571" y="2617743"/>
+            <a:ext cx="1095403" cy="523220"/>
+          </a:xfrm>
+          <a:prstGeom prst="rect">
+            <a:avLst/>
+          </a:prstGeom>
+          <a:noFill/>
+        </p:spPr>
+        <p:txBody>
+          <a:bodyPr wrap="square" rtlCol="0">
+            <a:spAutoFit/>
+          </a:bodyPr>
+          <a:lstStyle/>
+          <a:p>
+            <a:pPr algn="ctr"/>
+            <a:r>
+              <a:rPr lang="en-US" sz="1400" dirty="0" err="1"/>
+              <a:t>Github</a:t>
+            </a:r>
+            <a:r>
+              <a:rPr lang="en-US" sz="1400" dirty="0"/>
+              <a:t> Repository</a:t>
+            </a:r>
+          </a:p>
+        </p:txBody>
+      </p:sp>
+      <p:cxnSp>
+        <p:nvCxnSpPr>
+          <p:cNvPr id="87" name="Straight Arrow Connector 86">
+            <a:extLst>
+              <a:ext uri="{FF2B5EF4-FFF2-40B4-BE49-F238E27FC236}">
+                <a16:creationId xmlns:a16="http://schemas.microsoft.com/office/drawing/2014/main" id="{3E86974D-5ED8-B489-634F-A3A0685096AA}"/>
+              </a:ext>
+            </a:extLst>
+          </p:cNvPr>
+          <p:cNvCxnSpPr>
+            <a:cxnSpLocks/>
+            <a:stCxn id="91" idx="3"/>
+          </p:cNvCxnSpPr>
+          <p:nvPr/>
+        </p:nvCxnSpPr>
+        <p:spPr>
+          <a:xfrm>
+            <a:off x="4552276" y="4082522"/>
+            <a:ext cx="201168" cy="0"/>
+          </a:xfrm>
+          <a:prstGeom prst="straightConnector1">
+            <a:avLst/>
+          </a:prstGeom>
+          <a:ln>
+            <a:tailEnd type="triangle"/>
+          </a:ln>
+        </p:spPr>
+        <p:style>
+          <a:lnRef idx="2">
+            <a:schemeClr val="accent1"/>
+          </a:lnRef>
+          <a:fillRef idx="0">
+            <a:schemeClr val="accent1"/>
+          </a:fillRef>
+          <a:effectRef idx="1">
+            <a:schemeClr val="accent1"/>
+          </a:effectRef>
+          <a:fontRef idx="minor">
+            <a:schemeClr val="tx1"/>
+          </a:fontRef>
+        </p:style>
+      </p:cxnSp>
+      <p:cxnSp>
+        <p:nvCxnSpPr>
+          <p:cNvPr id="88" name="Straight Arrow Connector 87">
+            <a:extLst>
+              <a:ext uri="{FF2B5EF4-FFF2-40B4-BE49-F238E27FC236}">
+                <a16:creationId xmlns:a16="http://schemas.microsoft.com/office/drawing/2014/main" id="{C402738F-D1BC-88D1-B850-67C82F0EDB3E}"/>
+              </a:ext>
+            </a:extLst>
+          </p:cNvPr>
+          <p:cNvCxnSpPr>
+            <a:cxnSpLocks/>
+            <a:stCxn id="89" idx="3"/>
+          </p:cNvCxnSpPr>
+          <p:nvPr/>
+        </p:nvCxnSpPr>
+        <p:spPr>
+          <a:xfrm>
+            <a:off x="4554700" y="3751874"/>
+            <a:ext cx="201168" cy="0"/>
+          </a:xfrm>
+          <a:prstGeom prst="straightConnector1">
+            <a:avLst/>
+          </a:prstGeom>
+          <a:ln>
+            <a:tailEnd type="triangle"/>
+          </a:ln>
+        </p:spPr>
+        <p:style>
+          <a:lnRef idx="2">
+            <a:schemeClr val="accent1"/>
+          </a:lnRef>
+          <a:fillRef idx="0">
+            <a:schemeClr val="accent1"/>
+          </a:fillRef>
+          <a:effectRef idx="1">
+            <a:schemeClr val="accent1"/>
+          </a:effectRef>
+          <a:fontRef idx="minor">
+            <a:schemeClr val="tx1"/>
+          </a:fontRef>
+        </p:style>
+      </p:cxnSp>
+      <p:sp>
+        <p:nvSpPr>
+          <p:cNvPr id="89" name="Rectangle 88">
+            <a:extLst>
+              <a:ext uri="{FF2B5EF4-FFF2-40B4-BE49-F238E27FC236}">
+                <a16:creationId xmlns:a16="http://schemas.microsoft.com/office/drawing/2014/main" id="{C2CBEA6A-78A6-3EBF-D3D4-03F6BC9A126F}"/>
+              </a:ext>
+            </a:extLst>
+          </p:cNvPr>
+          <p:cNvSpPr/>
+          <p:nvPr/>
+        </p:nvSpPr>
+        <p:spPr>
+          <a:xfrm>
+            <a:off x="3259354" y="3628763"/>
+            <a:ext cx="1295347" cy="246221"/>
+          </a:xfrm>
+          <a:prstGeom prst="rect">
+            <a:avLst/>
+          </a:prstGeom>
+          <a:solidFill>
+            <a:schemeClr val="bg1"/>
+          </a:solidFill>
+        </p:spPr>
+        <p:style>
+          <a:lnRef idx="2">
+            <a:schemeClr val="dk1"/>
+          </a:lnRef>
+          <a:fillRef idx="1">
+            <a:schemeClr val="lt1"/>
+          </a:fillRef>
+          <a:effectRef idx="0">
+            <a:schemeClr val="dk1"/>
+          </a:effectRef>
+          <a:fontRef idx="minor">
+            <a:schemeClr val="dk1"/>
+          </a:fontRef>
+        </p:style>
+        <p:txBody>
+          <a:bodyPr rtlCol="0" anchor="ctr"/>
+          <a:lstStyle/>
+          <a:p>
+            <a:pPr algn="ctr"/>
+            <a:endParaRPr lang="en-US" sz="1400" dirty="0">
+              <a:solidFill>
+                <a:schemeClr val="bg1"/>
+              </a:solidFill>
+            </a:endParaRPr>
+          </a:p>
+        </p:txBody>
+      </p:sp>
+      <p:sp>
+        <p:nvSpPr>
+          <p:cNvPr id="90" name="TextBox 89">
+            <a:extLst>
+              <a:ext uri="{FF2B5EF4-FFF2-40B4-BE49-F238E27FC236}">
+                <a16:creationId xmlns:a16="http://schemas.microsoft.com/office/drawing/2014/main" id="{BF8F1746-8122-5AC2-BA12-BC8A6F8EDCDD}"/>
+              </a:ext>
+            </a:extLst>
+          </p:cNvPr>
+          <p:cNvSpPr txBox="1"/>
+          <p:nvPr/>
+        </p:nvSpPr>
+        <p:spPr>
+          <a:xfrm>
+            <a:off x="3197839" y="3638882"/>
+            <a:ext cx="1269183" cy="246221"/>
+          </a:xfrm>
+          <a:prstGeom prst="rect">
+            <a:avLst/>
+          </a:prstGeom>
+          <a:noFill/>
+        </p:spPr>
+        <p:txBody>
+          <a:bodyPr wrap="square" rtlCol="0">
+            <a:spAutoFit/>
+          </a:bodyPr>
+          <a:lstStyle/>
+          <a:p>
+            <a:r>
+              <a:rPr lang="en-US" sz="1000" dirty="0"/>
+              <a:t>Bug Fixing Commit</a:t>
+            </a:r>
+          </a:p>
+        </p:txBody>
+      </p:sp>
+      <p:sp>
+        <p:nvSpPr>
+          <p:cNvPr id="91" name="Rectangle 90">
+            <a:extLst>
+              <a:ext uri="{FF2B5EF4-FFF2-40B4-BE49-F238E27FC236}">
+                <a16:creationId xmlns:a16="http://schemas.microsoft.com/office/drawing/2014/main" id="{5660B845-DB14-2F95-E333-2C6781AD2B0A}"/>
+              </a:ext>
+            </a:extLst>
+          </p:cNvPr>
+          <p:cNvSpPr/>
+          <p:nvPr/>
+        </p:nvSpPr>
+        <p:spPr>
+          <a:xfrm>
+            <a:off x="3258222" y="3952755"/>
+            <a:ext cx="1294055" cy="259534"/>
+          </a:xfrm>
+          <a:prstGeom prst="rect">
+            <a:avLst/>
+          </a:prstGeom>
+          <a:solidFill>
+            <a:schemeClr val="bg1"/>
+          </a:solidFill>
+        </p:spPr>
+        <p:style>
+          <a:lnRef idx="2">
+            <a:schemeClr val="dk1"/>
+          </a:lnRef>
+          <a:fillRef idx="1">
+            <a:schemeClr val="lt1"/>
+          </a:fillRef>
+          <a:effectRef idx="0">
+            <a:schemeClr val="dk1"/>
+          </a:effectRef>
+          <a:fontRef idx="minor">
+            <a:schemeClr val="dk1"/>
+          </a:fontRef>
+        </p:style>
+        <p:txBody>
+          <a:bodyPr rtlCol="0" anchor="ctr"/>
+          <a:lstStyle/>
+          <a:p>
+            <a:pPr algn="ctr"/>
+            <a:endParaRPr lang="en-US" sz="1400" dirty="0">
+              <a:solidFill>
+                <a:schemeClr val="bg1"/>
+              </a:solidFill>
+            </a:endParaRPr>
+          </a:p>
+        </p:txBody>
+      </p:sp>
+      <p:sp>
+        <p:nvSpPr>
+          <p:cNvPr id="92" name="TextBox 91">
+            <a:extLst>
+              <a:ext uri="{FF2B5EF4-FFF2-40B4-BE49-F238E27FC236}">
+                <a16:creationId xmlns:a16="http://schemas.microsoft.com/office/drawing/2014/main" id="{E7607742-78B3-6BD2-7B8F-47D5CCA05F09}"/>
+              </a:ext>
+            </a:extLst>
+          </p:cNvPr>
+          <p:cNvSpPr txBox="1"/>
+          <p:nvPr/>
+        </p:nvSpPr>
+        <p:spPr>
+          <a:xfrm>
+            <a:off x="3196140" y="3957992"/>
+            <a:ext cx="1425205" cy="246221"/>
+          </a:xfrm>
+          <a:prstGeom prst="rect">
+            <a:avLst/>
+          </a:prstGeom>
+          <a:noFill/>
+        </p:spPr>
+        <p:txBody>
+          <a:bodyPr wrap="square" rtlCol="0">
+            <a:spAutoFit/>
+          </a:bodyPr>
+          <a:lstStyle/>
+          <a:p>
+            <a:r>
+              <a:rPr lang="en-US" sz="1000" dirty="0"/>
+              <a:t>New Function Commit</a:t>
+            </a:r>
+          </a:p>
+        </p:txBody>
+      </p:sp>
+      <p:sp>
+        <p:nvSpPr>
+          <p:cNvPr id="93" name="Rounded Rectangle 92">
+            <a:extLst>
+              <a:ext uri="{FF2B5EF4-FFF2-40B4-BE49-F238E27FC236}">
+                <a16:creationId xmlns:a16="http://schemas.microsoft.com/office/drawing/2014/main" id="{118F96A5-BCFF-D401-D83F-2840A957CD4B}"/>
+              </a:ext>
+            </a:extLst>
+          </p:cNvPr>
+          <p:cNvSpPr/>
+          <p:nvPr/>
+        </p:nvSpPr>
+        <p:spPr>
+          <a:xfrm>
+            <a:off x="3183554" y="1512159"/>
+            <a:ext cx="1463538" cy="844395"/>
+          </a:xfrm>
+          <a:prstGeom prst="roundRect">
+            <a:avLst>
+              <a:gd name="adj" fmla="val 7535"/>
+            </a:avLst>
+          </a:prstGeom>
+          <a:noFill/>
+          <a:ln w="12700">
+            <a:solidFill>
+              <a:schemeClr val="tx1"/>
+            </a:solidFill>
+            <a:prstDash val="dash"/>
+          </a:ln>
+        </p:spPr>
+        <p:style>
+          <a:lnRef idx="2">
+            <a:schemeClr val="accent1">
+              <a:shade val="15000"/>
+            </a:schemeClr>
+          </a:lnRef>
+          <a:fillRef idx="1">
+            <a:schemeClr val="accent1"/>
+          </a:fillRef>
+          <a:effectRef idx="0">
+            <a:schemeClr val="accent1"/>
+          </a:effectRef>
+          <a:fontRef idx="minor">
+            <a:schemeClr val="lt1"/>
+          </a:fontRef>
+        </p:style>
+        <p:txBody>
+          <a:bodyPr rtlCol="0" anchor="ctr"/>
+          <a:lstStyle/>
+          <a:p>
+            <a:pPr algn="ctr"/>
+            <a:endParaRPr lang="en-US"/>
+          </a:p>
+        </p:txBody>
+      </p:sp>
+      <p:sp>
+        <p:nvSpPr>
+          <p:cNvPr id="94" name="TextBox 93">
+            <a:extLst>
+              <a:ext uri="{FF2B5EF4-FFF2-40B4-BE49-F238E27FC236}">
+                <a16:creationId xmlns:a16="http://schemas.microsoft.com/office/drawing/2014/main" id="{6067F494-4F1E-D52D-0B29-0C07236C0A90}"/>
+              </a:ext>
+            </a:extLst>
+          </p:cNvPr>
+          <p:cNvSpPr txBox="1"/>
+          <p:nvPr/>
+        </p:nvSpPr>
+        <p:spPr>
+          <a:xfrm>
+            <a:off x="3183555" y="1471753"/>
+            <a:ext cx="1449402" cy="276999"/>
+          </a:xfrm>
+          <a:prstGeom prst="rect">
+            <a:avLst/>
+          </a:prstGeom>
+          <a:noFill/>
+        </p:spPr>
+        <p:txBody>
+          <a:bodyPr wrap="square" rtlCol="0">
+            <a:spAutoFit/>
+          </a:bodyPr>
+          <a:lstStyle/>
+          <a:p>
+            <a:pPr algn="ctr"/>
+            <a:r>
+              <a:rPr lang="en-US" sz="1200" dirty="0"/>
+              <a:t>Framework</a:t>
+            </a:r>
+          </a:p>
+        </p:txBody>
+      </p:sp>
+      <p:sp>
+        <p:nvSpPr>
+          <p:cNvPr id="97" name="Rounded Rectangle 96">
+            <a:extLst>
+              <a:ext uri="{FF2B5EF4-FFF2-40B4-BE49-F238E27FC236}">
+                <a16:creationId xmlns:a16="http://schemas.microsoft.com/office/drawing/2014/main" id="{F53BA158-20D5-CA5D-75B8-11F1B6D66CEF}"/>
+              </a:ext>
+            </a:extLst>
+          </p:cNvPr>
+          <p:cNvSpPr/>
+          <p:nvPr/>
+        </p:nvSpPr>
+        <p:spPr>
+          <a:xfrm>
+            <a:off x="3179372" y="3448274"/>
+            <a:ext cx="1463538" cy="844623"/>
+          </a:xfrm>
+          <a:prstGeom prst="roundRect">
+            <a:avLst>
+              <a:gd name="adj" fmla="val 7535"/>
+            </a:avLst>
+          </a:prstGeom>
+          <a:noFill/>
+          <a:ln w="12700">
+            <a:solidFill>
+              <a:schemeClr val="tx1"/>
+            </a:solidFill>
+            <a:prstDash val="dash"/>
+          </a:ln>
+        </p:spPr>
+        <p:style>
+          <a:lnRef idx="2">
+            <a:schemeClr val="accent1">
+              <a:shade val="15000"/>
+            </a:schemeClr>
+          </a:lnRef>
+          <a:fillRef idx="1">
+            <a:schemeClr val="accent1"/>
+          </a:fillRef>
+          <a:effectRef idx="0">
+            <a:schemeClr val="accent1"/>
+          </a:effectRef>
+          <a:fontRef idx="minor">
+            <a:schemeClr val="lt1"/>
+          </a:fontRef>
+        </p:style>
+        <p:txBody>
+          <a:bodyPr rtlCol="0" anchor="ctr"/>
+          <a:lstStyle/>
+          <a:p>
+            <a:pPr algn="ctr"/>
+            <a:endParaRPr lang="en-US"/>
+          </a:p>
+        </p:txBody>
+      </p:sp>
+      <p:sp>
+        <p:nvSpPr>
+          <p:cNvPr id="98" name="TextBox 97">
+            <a:extLst>
+              <a:ext uri="{FF2B5EF4-FFF2-40B4-BE49-F238E27FC236}">
+                <a16:creationId xmlns:a16="http://schemas.microsoft.com/office/drawing/2014/main" id="{6987B784-6C2F-7185-E213-14F2DE36B026}"/>
+              </a:ext>
+            </a:extLst>
+          </p:cNvPr>
+          <p:cNvSpPr txBox="1"/>
+          <p:nvPr/>
+        </p:nvSpPr>
+        <p:spPr>
+          <a:xfrm>
+            <a:off x="3179373" y="3393492"/>
+            <a:ext cx="1449402" cy="276999"/>
+          </a:xfrm>
+          <a:prstGeom prst="rect">
+            <a:avLst/>
+          </a:prstGeom>
+          <a:noFill/>
+        </p:spPr>
+        <p:txBody>
+          <a:bodyPr wrap="square" rtlCol="0">
+            <a:spAutoFit/>
+          </a:bodyPr>
+          <a:lstStyle/>
+          <a:p>
+            <a:pPr algn="ctr"/>
+            <a:r>
+              <a:rPr lang="en-US" sz="1200" dirty="0"/>
+              <a:t>Evaluation</a:t>
+            </a:r>
+          </a:p>
+        </p:txBody>
+      </p:sp>
+      <p:cxnSp>
+        <p:nvCxnSpPr>
+          <p:cNvPr id="103" name="Elbow Connector 102">
+            <a:extLst>
+              <a:ext uri="{FF2B5EF4-FFF2-40B4-BE49-F238E27FC236}">
+                <a16:creationId xmlns:a16="http://schemas.microsoft.com/office/drawing/2014/main" id="{C3B6A9E5-CA32-2D40-683E-947957A04BA8}"/>
+              </a:ext>
+            </a:extLst>
+          </p:cNvPr>
+          <p:cNvCxnSpPr>
+            <a:cxnSpLocks/>
+            <a:stCxn id="44" idx="3"/>
+            <a:endCxn id="97" idx="1"/>
+          </p:cNvCxnSpPr>
+          <p:nvPr/>
+        </p:nvCxnSpPr>
+        <p:spPr>
+          <a:xfrm rot="16200000" flipH="1">
+            <a:off x="2732567" y="3423780"/>
+            <a:ext cx="749791" cy="143820"/>
+          </a:xfrm>
+          <a:prstGeom prst="bentConnector2">
+            <a:avLst/>
+          </a:prstGeom>
+          <a:ln>
+            <a:tailEnd type="triangle"/>
+          </a:ln>
+        </p:spPr>
+        <p:style>
+          <a:lnRef idx="2">
+            <a:schemeClr val="accent1"/>
+          </a:lnRef>
+          <a:fillRef idx="0">
+            <a:schemeClr val="accent1"/>
+          </a:fillRef>
+          <a:effectRef idx="1">
+            <a:schemeClr val="accent1"/>
+          </a:effectRef>
+          <a:fontRef idx="minor">
+            <a:schemeClr val="tx1"/>
+          </a:fontRef>
+        </p:style>
+      </p:cxnSp>
+      <p:cxnSp>
+        <p:nvCxnSpPr>
+          <p:cNvPr id="108" name="Straight Arrow Connector 107">
+            <a:extLst>
+              <a:ext uri="{FF2B5EF4-FFF2-40B4-BE49-F238E27FC236}">
+                <a16:creationId xmlns:a16="http://schemas.microsoft.com/office/drawing/2014/main" id="{BAB832A8-6CD2-6CEA-03E2-70C0A6555AF2}"/>
+              </a:ext>
+            </a:extLst>
+          </p:cNvPr>
+          <p:cNvCxnSpPr>
+            <a:cxnSpLocks/>
+            <a:stCxn id="44" idx="4"/>
+            <a:endCxn id="29" idx="2"/>
+          </p:cNvCxnSpPr>
+          <p:nvPr/>
+        </p:nvCxnSpPr>
+        <p:spPr>
+          <a:xfrm>
+            <a:off x="3482110" y="2862403"/>
+            <a:ext cx="120357" cy="150"/>
+          </a:xfrm>
+          <a:prstGeom prst="straightConnector1">
+            <a:avLst/>
+          </a:prstGeom>
+          <a:ln>
+            <a:tailEnd type="triangle"/>
+          </a:ln>
+        </p:spPr>
+        <p:style>
+          <a:lnRef idx="2">
+            <a:schemeClr val="accent1"/>
+          </a:lnRef>
+          <a:fillRef idx="0">
+            <a:schemeClr val="accent1"/>
+          </a:fillRef>
+          <a:effectRef idx="1">
+            <a:schemeClr val="accent1"/>
+          </a:effectRef>
+          <a:fontRef idx="minor">
+            <a:schemeClr val="tx1"/>
+          </a:fontRef>
+        </p:style>
+      </p:cxnSp>
+      <p:cxnSp>
+        <p:nvCxnSpPr>
+          <p:cNvPr id="124" name="Straight Arrow Connector 123">
+            <a:extLst>
+              <a:ext uri="{FF2B5EF4-FFF2-40B4-BE49-F238E27FC236}">
+                <a16:creationId xmlns:a16="http://schemas.microsoft.com/office/drawing/2014/main" id="{96E58AFC-617C-BDD8-A227-652EFFF4D0B6}"/>
+              </a:ext>
+            </a:extLst>
+          </p:cNvPr>
+          <p:cNvCxnSpPr>
+            <a:cxnSpLocks/>
+          </p:cNvCxnSpPr>
+          <p:nvPr/>
+        </p:nvCxnSpPr>
+        <p:spPr>
+          <a:xfrm>
+            <a:off x="5066301" y="2663595"/>
+            <a:ext cx="128016" cy="0"/>
+          </a:xfrm>
+          <a:prstGeom prst="straightConnector1">
+            <a:avLst/>
+          </a:prstGeom>
+          <a:ln>
+            <a:tailEnd type="triangle"/>
+          </a:ln>
+        </p:spPr>
+        <p:style>
+          <a:lnRef idx="2">
+            <a:schemeClr val="accent1"/>
+          </a:lnRef>
+          <a:fillRef idx="0">
+            <a:schemeClr val="accent1"/>
+          </a:fillRef>
+          <a:effectRef idx="1">
+            <a:schemeClr val="accent1"/>
+          </a:effectRef>
+          <a:fontRef idx="minor">
+            <a:schemeClr val="tx1"/>
+          </a:fontRef>
+        </p:style>
+      </p:cxnSp>
+      <p:cxnSp>
+        <p:nvCxnSpPr>
+          <p:cNvPr id="129" name="Straight Arrow Connector 128">
+            <a:extLst>
+              <a:ext uri="{FF2B5EF4-FFF2-40B4-BE49-F238E27FC236}">
+                <a16:creationId xmlns:a16="http://schemas.microsoft.com/office/drawing/2014/main" id="{EBAEBFC8-5A01-3CC0-C3D3-8B8DF1DC2A9A}"/>
+              </a:ext>
+            </a:extLst>
+          </p:cNvPr>
+          <p:cNvCxnSpPr>
+            <a:cxnSpLocks/>
+          </p:cNvCxnSpPr>
+          <p:nvPr/>
+        </p:nvCxnSpPr>
+        <p:spPr>
+          <a:xfrm>
+            <a:off x="5066301" y="3186806"/>
+            <a:ext cx="128016" cy="0"/>
+          </a:xfrm>
+          <a:prstGeom prst="straightConnector1">
+            <a:avLst/>
+          </a:prstGeom>
+          <a:ln>
+            <a:tailEnd type="triangle"/>
+          </a:ln>
+        </p:spPr>
+        <p:style>
+          <a:lnRef idx="2">
+            <a:schemeClr val="accent1"/>
+          </a:lnRef>
+          <a:fillRef idx="0">
+            <a:schemeClr val="accent1"/>
+          </a:fillRef>
+          <a:effectRef idx="1">
+            <a:schemeClr val="accent1"/>
+          </a:effectRef>
+          <a:fontRef idx="minor">
+            <a:schemeClr val="tx1"/>
+          </a:fontRef>
+        </p:style>
+      </p:cxnSp>
+      <p:sp>
+        <p:nvSpPr>
+          <p:cNvPr id="27" name="TextBox 26">
+            <a:extLst>
+              <a:ext uri="{FF2B5EF4-FFF2-40B4-BE49-F238E27FC236}">
+                <a16:creationId xmlns:a16="http://schemas.microsoft.com/office/drawing/2014/main" id="{CDA99A7B-EBE7-0815-6526-D8A4995B6903}"/>
+              </a:ext>
+            </a:extLst>
+          </p:cNvPr>
+          <p:cNvSpPr txBox="1"/>
+          <p:nvPr/>
+        </p:nvSpPr>
+        <p:spPr>
+          <a:xfrm>
+            <a:off x="7273945" y="2275233"/>
+            <a:ext cx="1123706" cy="892552"/>
+          </a:xfrm>
+          <a:prstGeom prst="rect">
+            <a:avLst/>
+          </a:prstGeom>
+          <a:noFill/>
+        </p:spPr>
+        <p:txBody>
+          <a:bodyPr wrap="square">
+            <a:spAutoFit/>
+          </a:bodyPr>
+          <a:lstStyle/>
+          <a:p>
+            <a:r>
+              <a:rPr lang="en-US" sz="1200" dirty="0">
+                <a:solidFill>
+                  <a:schemeClr val="bg1"/>
+                </a:solidFill>
+              </a:rPr>
+              <a:t>Fail</a:t>
+            </a:r>
+            <a:endParaRPr lang="en-US" sz="1000" dirty="0">
+              <a:solidFill>
+                <a:schemeClr val="bg1"/>
+              </a:solidFill>
+            </a:endParaRPr>
+          </a:p>
+          <a:p>
+            <a:r>
+              <a:rPr lang="en-US" sz="1000" dirty="0">
+                <a:solidFill>
+                  <a:schemeClr val="bg1"/>
+                </a:solidFill>
+              </a:rPr>
+              <a:t>    Syntax Error</a:t>
+            </a:r>
+          </a:p>
+          <a:p>
+            <a:r>
+              <a:rPr lang="en-US" sz="1000" dirty="0">
+                <a:solidFill>
+                  <a:schemeClr val="bg1"/>
+                </a:solidFill>
+              </a:rPr>
+              <a:t>    Unsafe Cast</a:t>
+            </a:r>
+          </a:p>
+          <a:p>
+            <a:r>
+              <a:rPr lang="en-US" sz="1000" dirty="0">
+                <a:solidFill>
+                  <a:schemeClr val="bg1"/>
+                </a:solidFill>
+              </a:rPr>
+              <a:t>    Memory Error</a:t>
+            </a:r>
+          </a:p>
+          <a:p>
+            <a:r>
+              <a:rPr lang="en-US" sz="1000" dirty="0">
+                <a:solidFill>
+                  <a:schemeClr val="bg1"/>
+                </a:solidFill>
+              </a:rPr>
+              <a:t>    …</a:t>
+            </a:r>
+          </a:p>
+        </p:txBody>
+      </p:sp>
+      <p:sp>
+        <p:nvSpPr>
+          <p:cNvPr id="68" name="TextBox 67">
+            <a:extLst>
+              <a:ext uri="{FF2B5EF4-FFF2-40B4-BE49-F238E27FC236}">
+                <a16:creationId xmlns:a16="http://schemas.microsoft.com/office/drawing/2014/main" id="{CE85A8D7-B615-6199-50F3-67D461D1FDF4}"/>
+              </a:ext>
+            </a:extLst>
+          </p:cNvPr>
+          <p:cNvSpPr txBox="1"/>
+          <p:nvPr/>
+        </p:nvSpPr>
+        <p:spPr>
+          <a:xfrm>
+            <a:off x="7279312" y="1853732"/>
+            <a:ext cx="610112" cy="276999"/>
+          </a:xfrm>
+          <a:prstGeom prst="rect">
+            <a:avLst/>
+          </a:prstGeom>
+          <a:noFill/>
+        </p:spPr>
+        <p:txBody>
+          <a:bodyPr wrap="square">
+            <a:spAutoFit/>
+          </a:bodyPr>
+          <a:lstStyle/>
+          <a:p>
+            <a:r>
+              <a:rPr lang="en-US" sz="1200" dirty="0">
+                <a:solidFill>
+                  <a:schemeClr val="bg1"/>
+                </a:solidFill>
+              </a:rPr>
+              <a:t>Pass</a:t>
+            </a:r>
+            <a:endParaRPr lang="en-US" sz="1200" dirty="0"/>
+          </a:p>
+        </p:txBody>
+      </p:sp>
+      <p:sp>
+        <p:nvSpPr>
+          <p:cNvPr id="70" name="TextBox 69">
+            <a:extLst>
+              <a:ext uri="{FF2B5EF4-FFF2-40B4-BE49-F238E27FC236}">
+                <a16:creationId xmlns:a16="http://schemas.microsoft.com/office/drawing/2014/main" id="{EDE974D6-F640-D8DF-776C-A5E7DA522BE4}"/>
+              </a:ext>
+            </a:extLst>
+          </p:cNvPr>
+          <p:cNvSpPr txBox="1"/>
+          <p:nvPr/>
+        </p:nvSpPr>
+        <p:spPr>
+          <a:xfrm>
+            <a:off x="7273945" y="3354363"/>
+            <a:ext cx="610112" cy="276999"/>
+          </a:xfrm>
+          <a:prstGeom prst="rect">
+            <a:avLst/>
+          </a:prstGeom>
+          <a:noFill/>
+        </p:spPr>
+        <p:txBody>
+          <a:bodyPr wrap="square">
+            <a:spAutoFit/>
+          </a:bodyPr>
+          <a:lstStyle/>
+          <a:p>
+            <a:r>
+              <a:rPr lang="en-US" sz="1200" dirty="0">
+                <a:solidFill>
+                  <a:schemeClr val="bg1"/>
+                </a:solidFill>
+              </a:rPr>
+              <a:t>Pass</a:t>
+            </a:r>
+            <a:endParaRPr lang="en-US" sz="1200" dirty="0"/>
+          </a:p>
+        </p:txBody>
+      </p:sp>
+      <p:sp>
+        <p:nvSpPr>
+          <p:cNvPr id="71" name="TextBox 70">
+            <a:extLst>
+              <a:ext uri="{FF2B5EF4-FFF2-40B4-BE49-F238E27FC236}">
+                <a16:creationId xmlns:a16="http://schemas.microsoft.com/office/drawing/2014/main" id="{EA4AFD39-A007-366D-D997-BC785FF4B04F}"/>
+              </a:ext>
+            </a:extLst>
+          </p:cNvPr>
+          <p:cNvSpPr txBox="1"/>
+          <p:nvPr/>
+        </p:nvSpPr>
+        <p:spPr>
+          <a:xfrm>
+            <a:off x="7268002" y="3752540"/>
+            <a:ext cx="610112" cy="276999"/>
+          </a:xfrm>
+          <a:prstGeom prst="rect">
+            <a:avLst/>
+          </a:prstGeom>
+          <a:noFill/>
+        </p:spPr>
+        <p:txBody>
+          <a:bodyPr wrap="square">
+            <a:spAutoFit/>
+          </a:bodyPr>
+          <a:lstStyle/>
+          <a:p>
+            <a:r>
+              <a:rPr lang="en-US" sz="1200" dirty="0">
+                <a:solidFill>
+                  <a:schemeClr val="bg1"/>
+                </a:solidFill>
+              </a:rPr>
+              <a:t>Fail</a:t>
+            </a:r>
+            <a:endParaRPr lang="en-US" sz="1200" dirty="0"/>
+          </a:p>
+        </p:txBody>
+      </p:sp>
+    </p:spTree>
+    <p:extLst>
+      <p:ext uri="{BB962C8B-B14F-4D97-AF65-F5344CB8AC3E}">
+        <p14:creationId xmlns:p14="http://schemas.microsoft.com/office/powerpoint/2010/main" val="581111192"/>
+      </p:ext>
+    </p:extLst>
+  </p:cSld>
+  <p:clrMapOvr>
+    <a:masterClrMapping/>
+  </p:clrMapOvr>
+</p:sld>
+</file>
+
+<file path=ppt/slides/slide8.xml><?xml version="1.0" encoding="utf-8"?>
+<p:sld xmlns:a="http://schemas.openxmlformats.org/drawingml/2006/main" xmlns:r="http://schemas.openxmlformats.org/officeDocument/2006/relationships" xmlns:p="http://schemas.openxmlformats.org/presentationml/2006/main">
+  <p:cSld>
+    <p:spTree>
+      <p:nvGrpSpPr>
+        <p:cNvPr id="1" name=""/>
+        <p:cNvGrpSpPr/>
+        <p:nvPr/>
+      </p:nvGrpSpPr>
+      <p:grpSpPr>
+        <a:xfrm>
+          <a:off x="0" y="0"/>
+          <a:ext cx="0" cy="0"/>
+          <a:chOff x="0" y="0"/>
+          <a:chExt cx="0" cy="0"/>
+        </a:xfrm>
+      </p:grpSpPr>
+      <p:sp>
+        <p:nvSpPr>
+          <p:cNvPr id="46" name="Rectangle 45">
+            <a:extLst>
+              <a:ext uri="{FF2B5EF4-FFF2-40B4-BE49-F238E27FC236}">
+                <a16:creationId xmlns:a16="http://schemas.microsoft.com/office/drawing/2014/main" id="{D09D0ECF-9D40-CDAD-3976-72E0ACB90122}"/>
+              </a:ext>
+            </a:extLst>
+          </p:cNvPr>
+          <p:cNvSpPr/>
+          <p:nvPr/>
+        </p:nvSpPr>
+        <p:spPr>
+          <a:xfrm>
+            <a:off x="7332514" y="2248289"/>
+            <a:ext cx="896112" cy="892553"/>
+          </a:xfrm>
+          <a:prstGeom prst="rect">
+            <a:avLst/>
+          </a:prstGeom>
+          <a:solidFill>
+            <a:schemeClr val="accent2"/>
+          </a:solidFill>
+        </p:spPr>
+        <p:style>
+          <a:lnRef idx="2">
+            <a:schemeClr val="accent1">
+              <a:shade val="15000"/>
+            </a:schemeClr>
+          </a:lnRef>
+          <a:fillRef idx="1">
+            <a:schemeClr val="accent1"/>
+          </a:fillRef>
+          <a:effectRef idx="0">
+            <a:schemeClr val="accent1"/>
+          </a:effectRef>
+          <a:fontRef idx="minor">
+            <a:schemeClr val="lt1"/>
+          </a:fontRef>
+        </p:style>
+        <p:txBody>
+          <a:bodyPr rtlCol="0" anchor="ctr"/>
+          <a:lstStyle/>
+          <a:p>
+            <a:pPr algn="ctr"/>
+            <a:endParaRPr lang="en-US" dirty="0"/>
+          </a:p>
+        </p:txBody>
+      </p:sp>
+      <p:cxnSp>
+        <p:nvCxnSpPr>
+          <p:cNvPr id="2" name="Elbow Connector 1">
+            <a:extLst>
+              <a:ext uri="{FF2B5EF4-FFF2-40B4-BE49-F238E27FC236}">
+                <a16:creationId xmlns:a16="http://schemas.microsoft.com/office/drawing/2014/main" id="{C6A74876-B22B-5949-2BBC-4AE53444CD17}"/>
+              </a:ext>
+            </a:extLst>
+          </p:cNvPr>
+          <p:cNvCxnSpPr>
+            <a:cxnSpLocks/>
+            <a:stCxn id="19" idx="3"/>
+            <a:endCxn id="23" idx="2"/>
+          </p:cNvCxnSpPr>
+          <p:nvPr/>
+        </p:nvCxnSpPr>
+        <p:spPr>
+          <a:xfrm flipV="1">
+            <a:off x="5977792" y="2423234"/>
+            <a:ext cx="173928" cy="240361"/>
+          </a:xfrm>
+          <a:prstGeom prst="bentConnector3">
+            <a:avLst>
+              <a:gd name="adj1" fmla="val 40080"/>
+            </a:avLst>
+          </a:prstGeom>
+          <a:ln>
+            <a:tailEnd type="triangle"/>
+          </a:ln>
+        </p:spPr>
+        <p:style>
+          <a:lnRef idx="2">
+            <a:schemeClr val="accent1"/>
+          </a:lnRef>
+          <a:fillRef idx="0">
+            <a:schemeClr val="accent1"/>
+          </a:fillRef>
+          <a:effectRef idx="1">
+            <a:schemeClr val="accent1"/>
+          </a:effectRef>
+          <a:fontRef idx="minor">
+            <a:schemeClr val="tx1"/>
+          </a:fontRef>
+        </p:style>
+      </p:cxnSp>
+      <p:cxnSp>
+        <p:nvCxnSpPr>
+          <p:cNvPr id="3" name="Elbow Connector 2">
+            <a:extLst>
+              <a:ext uri="{FF2B5EF4-FFF2-40B4-BE49-F238E27FC236}">
+                <a16:creationId xmlns:a16="http://schemas.microsoft.com/office/drawing/2014/main" id="{A89B5C2C-F442-5E7B-6B25-CB5A7D5908AD}"/>
+              </a:ext>
+            </a:extLst>
+          </p:cNvPr>
+          <p:cNvCxnSpPr>
+            <a:cxnSpLocks/>
+            <a:stCxn id="19" idx="3"/>
+            <a:endCxn id="24" idx="2"/>
+          </p:cNvCxnSpPr>
+          <p:nvPr/>
+        </p:nvCxnSpPr>
+        <p:spPr>
+          <a:xfrm>
+            <a:off x="5977792" y="2663595"/>
+            <a:ext cx="173927" cy="997313"/>
+          </a:xfrm>
+          <a:prstGeom prst="bentConnector3">
+            <a:avLst>
+              <a:gd name="adj1" fmla="val 40081"/>
+            </a:avLst>
+          </a:prstGeom>
+          <a:ln>
+            <a:tailEnd type="triangle"/>
+          </a:ln>
+        </p:spPr>
+        <p:style>
+          <a:lnRef idx="2">
+            <a:schemeClr val="accent1"/>
+          </a:lnRef>
+          <a:fillRef idx="0">
+            <a:schemeClr val="accent1"/>
+          </a:fillRef>
+          <a:effectRef idx="1">
+            <a:schemeClr val="accent1"/>
+          </a:effectRef>
+          <a:fontRef idx="minor">
+            <a:schemeClr val="tx1"/>
+          </a:fontRef>
+        </p:style>
+      </p:cxnSp>
+      <p:cxnSp>
+        <p:nvCxnSpPr>
+          <p:cNvPr id="4" name="Straight Arrow Connector 3">
+            <a:extLst>
+              <a:ext uri="{FF2B5EF4-FFF2-40B4-BE49-F238E27FC236}">
+                <a16:creationId xmlns:a16="http://schemas.microsoft.com/office/drawing/2014/main" id="{3D2D5809-6B22-839A-2E2D-004E1111A640}"/>
+              </a:ext>
+            </a:extLst>
+          </p:cNvPr>
+          <p:cNvCxnSpPr>
+            <a:cxnSpLocks/>
+            <a:stCxn id="35" idx="3"/>
+          </p:cNvCxnSpPr>
+          <p:nvPr/>
+        </p:nvCxnSpPr>
+        <p:spPr>
+          <a:xfrm>
+            <a:off x="4565160" y="2179797"/>
+            <a:ext cx="201267" cy="0"/>
+          </a:xfrm>
+          <a:prstGeom prst="straightConnector1">
+            <a:avLst/>
+          </a:prstGeom>
+          <a:ln>
+            <a:tailEnd type="triangle"/>
+          </a:ln>
+        </p:spPr>
+        <p:style>
+          <a:lnRef idx="2">
+            <a:schemeClr val="accent1"/>
+          </a:lnRef>
+          <a:fillRef idx="0">
+            <a:schemeClr val="accent1"/>
+          </a:fillRef>
+          <a:effectRef idx="1">
+            <a:schemeClr val="accent1"/>
+          </a:effectRef>
+          <a:fontRef idx="minor">
+            <a:schemeClr val="tx1"/>
+          </a:fontRef>
+        </p:style>
+      </p:cxnSp>
+      <p:cxnSp>
+        <p:nvCxnSpPr>
+          <p:cNvPr id="5" name="Straight Arrow Connector 4">
+            <a:extLst>
+              <a:ext uri="{FF2B5EF4-FFF2-40B4-BE49-F238E27FC236}">
+                <a16:creationId xmlns:a16="http://schemas.microsoft.com/office/drawing/2014/main" id="{694705D3-0141-1348-3F14-FCB5CA3AF68C}"/>
+              </a:ext>
+            </a:extLst>
+          </p:cNvPr>
+          <p:cNvCxnSpPr>
+            <a:cxnSpLocks/>
+            <a:stCxn id="33" idx="3"/>
+          </p:cNvCxnSpPr>
+          <p:nvPr/>
+        </p:nvCxnSpPr>
+        <p:spPr>
+          <a:xfrm>
+            <a:off x="4567738" y="1849149"/>
+            <a:ext cx="201113" cy="0"/>
+          </a:xfrm>
+          <a:prstGeom prst="straightConnector1">
+            <a:avLst/>
+          </a:prstGeom>
+          <a:ln>
+            <a:tailEnd type="triangle"/>
+          </a:ln>
+        </p:spPr>
+        <p:style>
+          <a:lnRef idx="2">
+            <a:schemeClr val="accent1"/>
+          </a:lnRef>
+          <a:fillRef idx="0">
+            <a:schemeClr val="accent1"/>
+          </a:fillRef>
+          <a:effectRef idx="1">
+            <a:schemeClr val="accent1"/>
+          </a:effectRef>
+          <a:fontRef idx="minor">
+            <a:schemeClr val="tx1"/>
+          </a:fontRef>
+        </p:style>
+      </p:cxnSp>
+      <p:cxnSp>
+        <p:nvCxnSpPr>
+          <p:cNvPr id="6" name="Elbow Connector 5">
+            <a:extLst>
+              <a:ext uri="{FF2B5EF4-FFF2-40B4-BE49-F238E27FC236}">
+                <a16:creationId xmlns:a16="http://schemas.microsoft.com/office/drawing/2014/main" id="{BCF45B2B-9954-DEAD-C28C-D3D78AA5F909}"/>
+              </a:ext>
+            </a:extLst>
+          </p:cNvPr>
+          <p:cNvCxnSpPr>
+            <a:cxnSpLocks/>
+            <a:stCxn id="23" idx="0"/>
+            <a:endCxn id="15" idx="1"/>
+          </p:cNvCxnSpPr>
+          <p:nvPr/>
+        </p:nvCxnSpPr>
+        <p:spPr>
+          <a:xfrm flipV="1">
+            <a:off x="7168155" y="1992233"/>
+            <a:ext cx="164358" cy="431001"/>
+          </a:xfrm>
+          <a:prstGeom prst="bentConnector3">
+            <a:avLst>
+              <a:gd name="adj1" fmla="val 31630"/>
+            </a:avLst>
+          </a:prstGeom>
+          <a:ln>
+            <a:tailEnd type="triangle"/>
+          </a:ln>
+        </p:spPr>
+        <p:style>
+          <a:lnRef idx="2">
+            <a:schemeClr val="accent1"/>
+          </a:lnRef>
+          <a:fillRef idx="0">
+            <a:schemeClr val="accent1"/>
+          </a:fillRef>
+          <a:effectRef idx="1">
+            <a:schemeClr val="accent1"/>
+          </a:effectRef>
+          <a:fontRef idx="minor">
+            <a:schemeClr val="tx1"/>
+          </a:fontRef>
+        </p:style>
+      </p:cxnSp>
+      <p:cxnSp>
+        <p:nvCxnSpPr>
+          <p:cNvPr id="7" name="Elbow Connector 6">
+            <a:extLst>
+              <a:ext uri="{FF2B5EF4-FFF2-40B4-BE49-F238E27FC236}">
+                <a16:creationId xmlns:a16="http://schemas.microsoft.com/office/drawing/2014/main" id="{5F4245F6-0365-A4D1-85EB-A04F87B013D5}"/>
+              </a:ext>
+            </a:extLst>
+          </p:cNvPr>
+          <p:cNvCxnSpPr>
+            <a:cxnSpLocks/>
+            <a:stCxn id="23" idx="0"/>
+            <a:endCxn id="46" idx="1"/>
+          </p:cNvCxnSpPr>
+          <p:nvPr/>
+        </p:nvCxnSpPr>
+        <p:spPr>
+          <a:xfrm>
+            <a:off x="7168155" y="2423234"/>
+            <a:ext cx="164359" cy="271332"/>
+          </a:xfrm>
+          <a:prstGeom prst="bentConnector3">
+            <a:avLst>
+              <a:gd name="adj1" fmla="val 31631"/>
+            </a:avLst>
+          </a:prstGeom>
+          <a:ln>
+            <a:tailEnd type="triangle"/>
+          </a:ln>
+        </p:spPr>
+        <p:style>
+          <a:lnRef idx="2">
+            <a:schemeClr val="accent1"/>
+          </a:lnRef>
+          <a:fillRef idx="0">
+            <a:schemeClr val="accent1"/>
+          </a:fillRef>
+          <a:effectRef idx="1">
+            <a:schemeClr val="accent1"/>
+          </a:effectRef>
+          <a:fontRef idx="minor">
+            <a:schemeClr val="tx1"/>
+          </a:fontRef>
+        </p:style>
+      </p:cxnSp>
+      <p:cxnSp>
+        <p:nvCxnSpPr>
+          <p:cNvPr id="8" name="Elbow Connector 7">
+            <a:extLst>
+              <a:ext uri="{FF2B5EF4-FFF2-40B4-BE49-F238E27FC236}">
+                <a16:creationId xmlns:a16="http://schemas.microsoft.com/office/drawing/2014/main" id="{86FC30EB-E71A-540B-4455-C8CD60C73A82}"/>
+              </a:ext>
+            </a:extLst>
+          </p:cNvPr>
+          <p:cNvCxnSpPr>
+            <a:cxnSpLocks/>
+            <a:stCxn id="24" idx="0"/>
+            <a:endCxn id="22" idx="1"/>
+          </p:cNvCxnSpPr>
+          <p:nvPr/>
+        </p:nvCxnSpPr>
+        <p:spPr>
+          <a:xfrm>
+            <a:off x="7169208" y="3660908"/>
+            <a:ext cx="163305" cy="224195"/>
+          </a:xfrm>
+          <a:prstGeom prst="bentConnector3">
+            <a:avLst>
+              <a:gd name="adj1" fmla="val 34153"/>
+            </a:avLst>
+          </a:prstGeom>
+          <a:ln>
+            <a:tailEnd type="triangle"/>
+          </a:ln>
+        </p:spPr>
+        <p:style>
+          <a:lnRef idx="2">
+            <a:schemeClr val="accent1"/>
+          </a:lnRef>
+          <a:fillRef idx="0">
+            <a:schemeClr val="accent1"/>
+          </a:fillRef>
+          <a:effectRef idx="1">
+            <a:schemeClr val="accent1"/>
+          </a:effectRef>
+          <a:fontRef idx="minor">
+            <a:schemeClr val="tx1"/>
+          </a:fontRef>
+        </p:style>
+      </p:cxnSp>
+      <p:cxnSp>
+        <p:nvCxnSpPr>
+          <p:cNvPr id="9" name="Elbow Connector 8">
+            <a:extLst>
+              <a:ext uri="{FF2B5EF4-FFF2-40B4-BE49-F238E27FC236}">
+                <a16:creationId xmlns:a16="http://schemas.microsoft.com/office/drawing/2014/main" id="{065BF50D-FEE7-AD03-ACB7-2BB93E9A309A}"/>
+              </a:ext>
+            </a:extLst>
+          </p:cNvPr>
+          <p:cNvCxnSpPr>
+            <a:cxnSpLocks/>
+            <a:stCxn id="24" idx="0"/>
+            <a:endCxn id="21" idx="1"/>
+          </p:cNvCxnSpPr>
+          <p:nvPr/>
+        </p:nvCxnSpPr>
+        <p:spPr>
+          <a:xfrm flipV="1">
+            <a:off x="7169208" y="3487069"/>
+            <a:ext cx="163305" cy="173839"/>
+          </a:xfrm>
+          <a:prstGeom prst="bentConnector3">
+            <a:avLst>
+              <a:gd name="adj1" fmla="val 34153"/>
+            </a:avLst>
+          </a:prstGeom>
+          <a:ln>
+            <a:tailEnd type="triangle"/>
+          </a:ln>
+        </p:spPr>
+        <p:style>
+          <a:lnRef idx="2">
+            <a:schemeClr val="accent1"/>
+          </a:lnRef>
+          <a:fillRef idx="0">
+            <a:schemeClr val="accent1"/>
+          </a:fillRef>
+          <a:effectRef idx="1">
+            <a:schemeClr val="accent1"/>
+          </a:effectRef>
+          <a:fontRef idx="minor">
+            <a:schemeClr val="tx1"/>
+          </a:fontRef>
+        </p:style>
+      </p:cxnSp>
+      <p:cxnSp>
+        <p:nvCxnSpPr>
+          <p:cNvPr id="12" name="Straight Connector 11">
+            <a:extLst>
+              <a:ext uri="{FF2B5EF4-FFF2-40B4-BE49-F238E27FC236}">
+                <a16:creationId xmlns:a16="http://schemas.microsoft.com/office/drawing/2014/main" id="{CBD95AA2-8321-DF8F-CF36-6291EDF1B404}"/>
+              </a:ext>
+            </a:extLst>
+          </p:cNvPr>
+          <p:cNvCxnSpPr>
+            <a:cxnSpLocks/>
+          </p:cNvCxnSpPr>
+          <p:nvPr/>
+        </p:nvCxnSpPr>
+        <p:spPr>
+          <a:xfrm flipV="1">
+            <a:off x="5982107" y="3186806"/>
+            <a:ext cx="72581" cy="691"/>
+          </a:xfrm>
+          <a:prstGeom prst="line">
+            <a:avLst/>
+          </a:prstGeom>
+        </p:spPr>
+        <p:style>
+          <a:lnRef idx="2">
+            <a:schemeClr val="accent1"/>
+          </a:lnRef>
+          <a:fillRef idx="0">
+            <a:schemeClr val="accent1"/>
+          </a:fillRef>
+          <a:effectRef idx="1">
+            <a:schemeClr val="accent1"/>
+          </a:effectRef>
+          <a:fontRef idx="minor">
+            <a:schemeClr val="tx1"/>
+          </a:fontRef>
+        </p:style>
+      </p:cxnSp>
+      <p:sp>
+        <p:nvSpPr>
+          <p:cNvPr id="14" name="Snip Diagonal Corner Rectangle 13">
+            <a:extLst>
+              <a:ext uri="{FF2B5EF4-FFF2-40B4-BE49-F238E27FC236}">
+                <a16:creationId xmlns:a16="http://schemas.microsoft.com/office/drawing/2014/main" id="{511E775A-C568-91EE-6B7E-BD6788574824}"/>
+              </a:ext>
+            </a:extLst>
+          </p:cNvPr>
+          <p:cNvSpPr/>
+          <p:nvPr/>
+        </p:nvSpPr>
+        <p:spPr>
+          <a:xfrm>
+            <a:off x="4755864" y="1512159"/>
+            <a:ext cx="305895" cy="2780732"/>
+          </a:xfrm>
+          <a:prstGeom prst="snip2DiagRect">
+            <a:avLst/>
+          </a:prstGeom>
+          <a:solidFill>
+            <a:schemeClr val="bg1">
+              <a:lumMod val="50000"/>
+            </a:schemeClr>
+          </a:solidFill>
+          <a:ln>
+            <a:solidFill>
+              <a:schemeClr val="tx1"/>
+            </a:solidFill>
+          </a:ln>
+        </p:spPr>
+        <p:style>
+          <a:lnRef idx="2">
+            <a:schemeClr val="accent2">
+              <a:shade val="15000"/>
+            </a:schemeClr>
+          </a:lnRef>
+          <a:fillRef idx="1">
+            <a:schemeClr val="accent2"/>
+          </a:fillRef>
+          <a:effectRef idx="0">
+            <a:schemeClr val="accent2"/>
+          </a:effectRef>
+          <a:fontRef idx="minor">
+            <a:schemeClr val="lt1"/>
+          </a:fontRef>
+        </p:style>
+        <p:txBody>
+          <a:bodyPr rtlCol="0" anchor="ctr"/>
+          <a:lstStyle/>
+          <a:p>
+            <a:r>
+              <a:rPr lang="en-US" sz="1400" dirty="0"/>
+              <a:t>LLM</a:t>
+            </a:r>
+          </a:p>
+        </p:txBody>
+      </p:sp>
+      <p:sp>
+        <p:nvSpPr>
+          <p:cNvPr id="15" name="TextBox 14">
+            <a:extLst>
+              <a:ext uri="{FF2B5EF4-FFF2-40B4-BE49-F238E27FC236}">
+                <a16:creationId xmlns:a16="http://schemas.microsoft.com/office/drawing/2014/main" id="{5582415E-9C06-6EE9-6917-5C559FBC1AD7}"/>
+              </a:ext>
+            </a:extLst>
+          </p:cNvPr>
+          <p:cNvSpPr txBox="1"/>
+          <p:nvPr/>
+        </p:nvSpPr>
+        <p:spPr>
+          <a:xfrm>
+            <a:off x="7332513" y="1853733"/>
+            <a:ext cx="896112" cy="276999"/>
+          </a:xfrm>
+          <a:prstGeom prst="rect">
+            <a:avLst/>
+          </a:prstGeom>
+          <a:solidFill>
+            <a:schemeClr val="accent6">
+              <a:lumMod val="60000"/>
+              <a:lumOff val="40000"/>
+            </a:schemeClr>
+          </a:solidFill>
+        </p:spPr>
+        <p:style>
+          <a:lnRef idx="2">
+            <a:schemeClr val="dk1"/>
+          </a:lnRef>
+          <a:fillRef idx="1">
+            <a:schemeClr val="lt1"/>
+          </a:fillRef>
+          <a:effectRef idx="0">
+            <a:schemeClr val="dk1"/>
+          </a:effectRef>
+          <a:fontRef idx="minor">
+            <a:schemeClr val="dk1"/>
+          </a:fontRef>
+        </p:style>
+        <p:txBody>
+          <a:bodyPr wrap="square" rtlCol="0">
+            <a:spAutoFit/>
+          </a:bodyPr>
+          <a:lstStyle/>
+          <a:p>
+            <a:endParaRPr lang="en-US" sz="1200" dirty="0">
+              <a:solidFill>
+                <a:schemeClr val="bg1"/>
+              </a:solidFill>
+            </a:endParaRPr>
+          </a:p>
+        </p:txBody>
+      </p:sp>
+      <p:sp>
+        <p:nvSpPr>
+          <p:cNvPr id="17" name="Snip Single Corner Rectangle 16">
+            <a:extLst>
+              <a:ext uri="{FF2B5EF4-FFF2-40B4-BE49-F238E27FC236}">
+                <a16:creationId xmlns:a16="http://schemas.microsoft.com/office/drawing/2014/main" id="{43F49695-92D7-EB94-97CB-13B5584546A6}"/>
+              </a:ext>
+            </a:extLst>
+          </p:cNvPr>
+          <p:cNvSpPr/>
+          <p:nvPr/>
+        </p:nvSpPr>
+        <p:spPr>
+          <a:xfrm>
+            <a:off x="5202530" y="2202161"/>
+            <a:ext cx="783890" cy="1280333"/>
+          </a:xfrm>
+          <a:prstGeom prst="snip1Rect">
+            <a:avLst/>
+          </a:prstGeom>
+        </p:spPr>
+        <p:style>
+          <a:lnRef idx="2">
+            <a:schemeClr val="dk1"/>
+          </a:lnRef>
+          <a:fillRef idx="1">
+            <a:schemeClr val="lt1"/>
+          </a:fillRef>
+          <a:effectRef idx="0">
+            <a:schemeClr val="dk1"/>
+          </a:effectRef>
+          <a:fontRef idx="minor">
+            <a:schemeClr val="dk1"/>
+          </a:fontRef>
+        </p:style>
+        <p:txBody>
+          <a:bodyPr rtlCol="0" anchor="ctr"/>
+          <a:lstStyle/>
+          <a:p>
+            <a:pPr algn="ctr"/>
+            <a:endParaRPr lang="en-US" sz="800" dirty="0"/>
+          </a:p>
+        </p:txBody>
+      </p:sp>
+      <p:sp>
+        <p:nvSpPr>
+          <p:cNvPr id="18" name="TextBox 17">
+            <a:extLst>
+              <a:ext uri="{FF2B5EF4-FFF2-40B4-BE49-F238E27FC236}">
+                <a16:creationId xmlns:a16="http://schemas.microsoft.com/office/drawing/2014/main" id="{6D005358-04ED-F5ED-A9E0-18D81870BD05}"/>
+              </a:ext>
+            </a:extLst>
+          </p:cNvPr>
+          <p:cNvSpPr txBox="1"/>
+          <p:nvPr/>
+        </p:nvSpPr>
+        <p:spPr>
+          <a:xfrm>
+            <a:off x="5202530" y="2144795"/>
+            <a:ext cx="736876" cy="307777"/>
+          </a:xfrm>
+          <a:prstGeom prst="rect">
+            <a:avLst/>
+          </a:prstGeom>
+          <a:noFill/>
+        </p:spPr>
+        <p:txBody>
+          <a:bodyPr wrap="square" rtlCol="0">
+            <a:spAutoFit/>
+          </a:bodyPr>
+          <a:lstStyle/>
+          <a:p>
+            <a:pPr algn="ctr"/>
+            <a:r>
+              <a:rPr lang="en-US" sz="1400" dirty="0" err="1"/>
+              <a:t>file.c</a:t>
+            </a:r>
+            <a:endParaRPr lang="en-US" sz="1400" dirty="0"/>
+          </a:p>
+        </p:txBody>
+      </p:sp>
+      <p:sp>
+        <p:nvSpPr>
+          <p:cNvPr id="19" name="TextBox 18">
+            <a:extLst>
+              <a:ext uri="{FF2B5EF4-FFF2-40B4-BE49-F238E27FC236}">
+                <a16:creationId xmlns:a16="http://schemas.microsoft.com/office/drawing/2014/main" id="{89DC7CC3-923A-5C5E-852D-CEAFC69C2033}"/>
+              </a:ext>
+            </a:extLst>
+          </p:cNvPr>
+          <p:cNvSpPr txBox="1"/>
+          <p:nvPr/>
+        </p:nvSpPr>
+        <p:spPr>
+          <a:xfrm>
+            <a:off x="5137536" y="2448151"/>
+            <a:ext cx="840256" cy="430887"/>
+          </a:xfrm>
+          <a:prstGeom prst="rect">
+            <a:avLst/>
+          </a:prstGeom>
+          <a:noFill/>
+        </p:spPr>
+        <p:txBody>
+          <a:bodyPr wrap="square" rtlCol="0">
+            <a:spAutoFit/>
+          </a:bodyPr>
+          <a:lstStyle/>
+          <a:p>
+            <a:r>
+              <a:rPr lang="en-US" sz="1100" b="1" dirty="0"/>
+              <a:t># Bug fix</a:t>
+            </a:r>
+          </a:p>
+          <a:p>
+            <a:r>
+              <a:rPr lang="en-US" sz="1100" b="1" dirty="0"/>
+              <a:t>foo’</a:t>
+            </a:r>
+            <a:r>
+              <a:rPr lang="en-US" sz="1100" dirty="0"/>
+              <a:t>(){…}</a:t>
+            </a:r>
+          </a:p>
+        </p:txBody>
+      </p:sp>
+      <p:sp>
+        <p:nvSpPr>
+          <p:cNvPr id="21" name="TextBox 20">
+            <a:extLst>
+              <a:ext uri="{FF2B5EF4-FFF2-40B4-BE49-F238E27FC236}">
+                <a16:creationId xmlns:a16="http://schemas.microsoft.com/office/drawing/2014/main" id="{27266CA1-8CFC-82E5-BFF6-CE671331167A}"/>
+              </a:ext>
+            </a:extLst>
+          </p:cNvPr>
+          <p:cNvSpPr txBox="1"/>
+          <p:nvPr/>
+        </p:nvSpPr>
+        <p:spPr>
+          <a:xfrm>
+            <a:off x="7332513" y="3348569"/>
+            <a:ext cx="896112" cy="276999"/>
+          </a:xfrm>
+          <a:prstGeom prst="rect">
+            <a:avLst/>
+          </a:prstGeom>
+          <a:solidFill>
+            <a:schemeClr val="accent6">
+              <a:lumMod val="60000"/>
+              <a:lumOff val="40000"/>
+            </a:schemeClr>
+          </a:solidFill>
+        </p:spPr>
+        <p:style>
+          <a:lnRef idx="2">
+            <a:schemeClr val="dk1"/>
+          </a:lnRef>
+          <a:fillRef idx="1">
+            <a:schemeClr val="lt1"/>
+          </a:fillRef>
+          <a:effectRef idx="0">
+            <a:schemeClr val="dk1"/>
+          </a:effectRef>
+          <a:fontRef idx="minor">
+            <a:schemeClr val="dk1"/>
+          </a:fontRef>
+        </p:style>
+        <p:txBody>
+          <a:bodyPr wrap="square" rtlCol="0">
+            <a:spAutoFit/>
+          </a:bodyPr>
+          <a:lstStyle/>
+          <a:p>
+            <a:endParaRPr lang="en-US" sz="1200" dirty="0">
+              <a:solidFill>
+                <a:schemeClr val="bg1"/>
+              </a:solidFill>
+            </a:endParaRPr>
+          </a:p>
+        </p:txBody>
+      </p:sp>
+      <p:sp>
+        <p:nvSpPr>
+          <p:cNvPr id="22" name="TextBox 21">
+            <a:extLst>
+              <a:ext uri="{FF2B5EF4-FFF2-40B4-BE49-F238E27FC236}">
+                <a16:creationId xmlns:a16="http://schemas.microsoft.com/office/drawing/2014/main" id="{3137AC2D-9808-5384-5687-2A7DD8303D28}"/>
+              </a:ext>
+            </a:extLst>
+          </p:cNvPr>
+          <p:cNvSpPr txBox="1"/>
+          <p:nvPr/>
+        </p:nvSpPr>
+        <p:spPr>
+          <a:xfrm>
+            <a:off x="7332513" y="3746603"/>
+            <a:ext cx="896112" cy="276999"/>
+          </a:xfrm>
+          <a:prstGeom prst="rect">
+            <a:avLst/>
+          </a:prstGeom>
+          <a:solidFill>
+            <a:schemeClr val="accent2"/>
+          </a:solidFill>
+        </p:spPr>
+        <p:style>
+          <a:lnRef idx="2">
+            <a:schemeClr val="dk1"/>
+          </a:lnRef>
+          <a:fillRef idx="1">
+            <a:schemeClr val="lt1"/>
+          </a:fillRef>
+          <a:effectRef idx="0">
+            <a:schemeClr val="dk1"/>
+          </a:effectRef>
+          <a:fontRef idx="minor">
+            <a:schemeClr val="dk1"/>
+          </a:fontRef>
+        </p:style>
+        <p:txBody>
+          <a:bodyPr wrap="square" rtlCol="0">
+            <a:spAutoFit/>
+          </a:bodyPr>
+          <a:lstStyle/>
+          <a:p>
+            <a:endParaRPr lang="en-US" sz="1200" dirty="0">
+              <a:solidFill>
+                <a:schemeClr val="bg1"/>
+              </a:solidFill>
+            </a:endParaRPr>
+          </a:p>
+        </p:txBody>
+      </p:sp>
+      <p:sp>
+        <p:nvSpPr>
+          <p:cNvPr id="23" name="Snip Diagonal Corner Rectangle 22">
+            <a:extLst>
+              <a:ext uri="{FF2B5EF4-FFF2-40B4-BE49-F238E27FC236}">
+                <a16:creationId xmlns:a16="http://schemas.microsoft.com/office/drawing/2014/main" id="{BE1E489B-01E5-73E4-5CD5-FDC3E6E15DD5}"/>
+              </a:ext>
+            </a:extLst>
+          </p:cNvPr>
+          <p:cNvSpPr/>
+          <p:nvPr/>
+        </p:nvSpPr>
+        <p:spPr>
+          <a:xfrm>
+            <a:off x="6151720" y="1910201"/>
+            <a:ext cx="1016435" cy="1026066"/>
+          </a:xfrm>
+          <a:prstGeom prst="snip2DiagRect">
+            <a:avLst/>
+          </a:prstGeom>
+          <a:solidFill>
+            <a:schemeClr val="bg1">
+              <a:lumMod val="50000"/>
+            </a:schemeClr>
+          </a:solidFill>
+          <a:ln>
+            <a:solidFill>
+              <a:schemeClr val="tx1"/>
+            </a:solidFill>
+          </a:ln>
+        </p:spPr>
+        <p:style>
+          <a:lnRef idx="2">
+            <a:schemeClr val="accent2">
+              <a:shade val="15000"/>
+            </a:schemeClr>
+          </a:lnRef>
+          <a:fillRef idx="1">
+            <a:schemeClr val="accent2"/>
+          </a:fillRef>
+          <a:effectRef idx="0">
+            <a:schemeClr val="accent2"/>
+          </a:effectRef>
+          <a:fontRef idx="minor">
+            <a:schemeClr val="lt1"/>
+          </a:fontRef>
+        </p:style>
+        <p:txBody>
+          <a:bodyPr rtlCol="0" anchor="ctr"/>
+          <a:lstStyle/>
+          <a:p>
+            <a:pPr algn="ctr"/>
+            <a:endParaRPr lang="en-US" sz="1400" dirty="0"/>
+          </a:p>
+        </p:txBody>
+      </p:sp>
+      <p:sp>
+        <p:nvSpPr>
+          <p:cNvPr id="24" name="Snip Diagonal Corner Rectangle 23">
+            <a:extLst>
+              <a:ext uri="{FF2B5EF4-FFF2-40B4-BE49-F238E27FC236}">
+                <a16:creationId xmlns:a16="http://schemas.microsoft.com/office/drawing/2014/main" id="{F2E27813-8A86-F48C-3CF3-762F70DFB51F}"/>
+              </a:ext>
+            </a:extLst>
+          </p:cNvPr>
+          <p:cNvSpPr/>
+          <p:nvPr/>
+        </p:nvSpPr>
+        <p:spPr>
+          <a:xfrm>
+            <a:off x="6151719" y="3248362"/>
+            <a:ext cx="1017489" cy="825092"/>
+          </a:xfrm>
+          <a:prstGeom prst="snip2DiagRect">
+            <a:avLst/>
+          </a:prstGeom>
+          <a:solidFill>
+            <a:schemeClr val="bg1">
+              <a:lumMod val="50000"/>
+            </a:schemeClr>
+          </a:solidFill>
+          <a:ln>
+            <a:solidFill>
+              <a:schemeClr val="tx1"/>
+            </a:solidFill>
+          </a:ln>
+        </p:spPr>
+        <p:style>
+          <a:lnRef idx="2">
+            <a:schemeClr val="accent2">
+              <a:shade val="15000"/>
+            </a:schemeClr>
+          </a:lnRef>
+          <a:fillRef idx="1">
+            <a:schemeClr val="accent2"/>
+          </a:fillRef>
+          <a:effectRef idx="0">
+            <a:schemeClr val="accent2"/>
+          </a:effectRef>
+          <a:fontRef idx="minor">
+            <a:schemeClr val="lt1"/>
+          </a:fontRef>
+        </p:style>
+        <p:txBody>
+          <a:bodyPr rtlCol="0" anchor="ctr"/>
+          <a:lstStyle/>
+          <a:p>
+            <a:pPr algn="ctr"/>
+            <a:endParaRPr lang="en-US" sz="1400" dirty="0"/>
+          </a:p>
+        </p:txBody>
+      </p:sp>
+      <p:sp>
+        <p:nvSpPr>
+          <p:cNvPr id="29" name="Snip Single Corner Rectangle 28">
+            <a:extLst>
+              <a:ext uri="{FF2B5EF4-FFF2-40B4-BE49-F238E27FC236}">
+                <a16:creationId xmlns:a16="http://schemas.microsoft.com/office/drawing/2014/main" id="{75CE1421-4164-60DE-C6A4-0372566E952D}"/>
+              </a:ext>
+            </a:extLst>
+          </p:cNvPr>
+          <p:cNvSpPr/>
+          <p:nvPr/>
+        </p:nvSpPr>
+        <p:spPr>
+          <a:xfrm>
+            <a:off x="3772344" y="2455546"/>
+            <a:ext cx="705816" cy="814014"/>
+          </a:xfrm>
+          <a:prstGeom prst="snip1Rect">
+            <a:avLst/>
+          </a:prstGeom>
+        </p:spPr>
+        <p:style>
+          <a:lnRef idx="2">
+            <a:schemeClr val="dk1"/>
+          </a:lnRef>
+          <a:fillRef idx="1">
+            <a:schemeClr val="lt1"/>
+          </a:fillRef>
+          <a:effectRef idx="0">
+            <a:schemeClr val="dk1"/>
+          </a:effectRef>
+          <a:fontRef idx="minor">
+            <a:schemeClr val="dk1"/>
+          </a:fontRef>
+        </p:style>
+        <p:txBody>
+          <a:bodyPr rtlCol="0" anchor="ctr"/>
+          <a:lstStyle/>
+          <a:p>
+            <a:pPr algn="ctr"/>
+            <a:endParaRPr lang="en-US" sz="1400" dirty="0"/>
+          </a:p>
+        </p:txBody>
+      </p:sp>
+      <p:sp>
+        <p:nvSpPr>
+          <p:cNvPr id="30" name="Snip Single Corner Rectangle 29">
+            <a:extLst>
+              <a:ext uri="{FF2B5EF4-FFF2-40B4-BE49-F238E27FC236}">
+                <a16:creationId xmlns:a16="http://schemas.microsoft.com/office/drawing/2014/main" id="{7EA403F3-EB21-C1DB-38F9-FDC6E051AC5E}"/>
+              </a:ext>
+            </a:extLst>
+          </p:cNvPr>
+          <p:cNvSpPr/>
+          <p:nvPr/>
+        </p:nvSpPr>
+        <p:spPr>
+          <a:xfrm>
+            <a:off x="3827922" y="2489608"/>
+            <a:ext cx="705816" cy="814014"/>
+          </a:xfrm>
+          <a:prstGeom prst="snip1Rect">
+            <a:avLst/>
+          </a:prstGeom>
+        </p:spPr>
+        <p:style>
+          <a:lnRef idx="2">
+            <a:schemeClr val="dk1"/>
+          </a:lnRef>
+          <a:fillRef idx="1">
+            <a:schemeClr val="lt1"/>
+          </a:fillRef>
+          <a:effectRef idx="0">
+            <a:schemeClr val="dk1"/>
+          </a:effectRef>
+          <a:fontRef idx="minor">
+            <a:schemeClr val="dk1"/>
+          </a:fontRef>
+        </p:style>
+        <p:txBody>
+          <a:bodyPr rtlCol="0" anchor="ctr"/>
+          <a:lstStyle/>
+          <a:p>
+            <a:pPr algn="ctr"/>
+            <a:endParaRPr lang="en-US" sz="1400" dirty="0"/>
+          </a:p>
+        </p:txBody>
+      </p:sp>
+      <p:sp>
+        <p:nvSpPr>
+          <p:cNvPr id="31" name="Snip Single Corner Rectangle 30">
+            <a:extLst>
+              <a:ext uri="{FF2B5EF4-FFF2-40B4-BE49-F238E27FC236}">
+                <a16:creationId xmlns:a16="http://schemas.microsoft.com/office/drawing/2014/main" id="{76576417-313E-7CBD-C3EA-33C6E484B327}"/>
+              </a:ext>
+            </a:extLst>
+          </p:cNvPr>
+          <p:cNvSpPr/>
+          <p:nvPr/>
+        </p:nvSpPr>
+        <p:spPr>
+          <a:xfrm>
+            <a:off x="3883500" y="2523670"/>
+            <a:ext cx="705816" cy="814014"/>
+          </a:xfrm>
+          <a:prstGeom prst="snip1Rect">
+            <a:avLst/>
+          </a:prstGeom>
+        </p:spPr>
+        <p:style>
+          <a:lnRef idx="2">
+            <a:schemeClr val="dk1"/>
+          </a:lnRef>
+          <a:fillRef idx="1">
+            <a:schemeClr val="lt1"/>
+          </a:fillRef>
+          <a:effectRef idx="0">
+            <a:schemeClr val="dk1"/>
+          </a:effectRef>
+          <a:fontRef idx="minor">
+            <a:schemeClr val="dk1"/>
+          </a:fontRef>
+        </p:style>
+        <p:txBody>
+          <a:bodyPr rtlCol="0" anchor="ctr"/>
+          <a:lstStyle/>
+          <a:p>
+            <a:pPr algn="ctr"/>
+            <a:endParaRPr lang="en-US" sz="800" dirty="0"/>
+          </a:p>
+        </p:txBody>
+      </p:sp>
+      <p:sp>
+        <p:nvSpPr>
+          <p:cNvPr id="32" name="TextBox 31">
+            <a:extLst>
+              <a:ext uri="{FF2B5EF4-FFF2-40B4-BE49-F238E27FC236}">
+                <a16:creationId xmlns:a16="http://schemas.microsoft.com/office/drawing/2014/main" id="{D460234A-F16D-AE09-FB32-F7B1AAB2E3D9}"/>
+              </a:ext>
+            </a:extLst>
+          </p:cNvPr>
+          <p:cNvSpPr txBox="1"/>
+          <p:nvPr/>
+        </p:nvSpPr>
+        <p:spPr>
+          <a:xfrm>
+            <a:off x="3883500" y="2515142"/>
+            <a:ext cx="705816" cy="307777"/>
+          </a:xfrm>
+          <a:prstGeom prst="rect">
+            <a:avLst/>
+          </a:prstGeom>
+          <a:noFill/>
+        </p:spPr>
+        <p:txBody>
+          <a:bodyPr wrap="square" rtlCol="0">
+            <a:spAutoFit/>
+          </a:bodyPr>
+          <a:lstStyle/>
+          <a:p>
+            <a:pPr algn="ctr"/>
+            <a:r>
+              <a:rPr lang="en-US" sz="1400" dirty="0" err="1"/>
+              <a:t>file.c</a:t>
+            </a:r>
+            <a:endParaRPr lang="en-US" sz="1400" dirty="0"/>
+          </a:p>
+        </p:txBody>
+      </p:sp>
+      <p:sp>
+        <p:nvSpPr>
+          <p:cNvPr id="33" name="Rectangle 32">
+            <a:extLst>
+              <a:ext uri="{FF2B5EF4-FFF2-40B4-BE49-F238E27FC236}">
+                <a16:creationId xmlns:a16="http://schemas.microsoft.com/office/drawing/2014/main" id="{91EA424F-111F-7082-9494-E7E0CBF99170}"/>
+              </a:ext>
+            </a:extLst>
+          </p:cNvPr>
+          <p:cNvSpPr/>
+          <p:nvPr/>
+        </p:nvSpPr>
+        <p:spPr>
+          <a:xfrm>
+            <a:off x="3007293" y="1726038"/>
+            <a:ext cx="1560445" cy="246221"/>
+          </a:xfrm>
+          <a:prstGeom prst="rect">
+            <a:avLst/>
+          </a:prstGeom>
+          <a:solidFill>
+            <a:schemeClr val="bg1"/>
+          </a:solidFill>
+        </p:spPr>
+        <p:style>
+          <a:lnRef idx="2">
+            <a:schemeClr val="dk1"/>
+          </a:lnRef>
+          <a:fillRef idx="1">
+            <a:schemeClr val="lt1"/>
+          </a:fillRef>
+          <a:effectRef idx="0">
+            <a:schemeClr val="dk1"/>
+          </a:effectRef>
+          <a:fontRef idx="minor">
+            <a:schemeClr val="dk1"/>
+          </a:fontRef>
+        </p:style>
+        <p:txBody>
+          <a:bodyPr rtlCol="0" anchor="ctr"/>
+          <a:lstStyle/>
+          <a:p>
+            <a:pPr algn="ctr"/>
+            <a:endParaRPr lang="en-US" sz="1400" dirty="0">
+              <a:solidFill>
+                <a:schemeClr val="bg1"/>
+              </a:solidFill>
+            </a:endParaRPr>
+          </a:p>
+        </p:txBody>
+      </p:sp>
+      <p:sp>
+        <p:nvSpPr>
+          <p:cNvPr id="34" name="TextBox 33">
+            <a:extLst>
+              <a:ext uri="{FF2B5EF4-FFF2-40B4-BE49-F238E27FC236}">
+                <a16:creationId xmlns:a16="http://schemas.microsoft.com/office/drawing/2014/main" id="{89DCCD75-B6C8-D13F-3EB9-CF74CDEE7752}"/>
+              </a:ext>
+            </a:extLst>
+          </p:cNvPr>
+          <p:cNvSpPr txBox="1"/>
+          <p:nvPr/>
+        </p:nvSpPr>
+        <p:spPr>
+          <a:xfrm>
+            <a:off x="2955883" y="1710279"/>
+            <a:ext cx="1418624" cy="276999"/>
+          </a:xfrm>
+          <a:prstGeom prst="rect">
+            <a:avLst/>
+          </a:prstGeom>
+          <a:noFill/>
+        </p:spPr>
+        <p:txBody>
+          <a:bodyPr wrap="square" rtlCol="0">
+            <a:spAutoFit/>
+          </a:bodyPr>
+          <a:lstStyle/>
+          <a:p>
+            <a:r>
+              <a:rPr lang="en-US" sz="1200" dirty="0"/>
+              <a:t>Bug Fixing Prompt</a:t>
+            </a:r>
+          </a:p>
+        </p:txBody>
+      </p:sp>
+      <p:sp>
+        <p:nvSpPr>
+          <p:cNvPr id="35" name="Rectangle 34">
+            <a:extLst>
+              <a:ext uri="{FF2B5EF4-FFF2-40B4-BE49-F238E27FC236}">
+                <a16:creationId xmlns:a16="http://schemas.microsoft.com/office/drawing/2014/main" id="{67694E33-A33C-DA8B-BBE4-3974073B0BFF}"/>
+              </a:ext>
+            </a:extLst>
+          </p:cNvPr>
+          <p:cNvSpPr/>
+          <p:nvPr/>
+        </p:nvSpPr>
+        <p:spPr>
+          <a:xfrm>
+            <a:off x="3006270" y="2050030"/>
+            <a:ext cx="1558890" cy="259534"/>
+          </a:xfrm>
+          <a:prstGeom prst="rect">
+            <a:avLst/>
+          </a:prstGeom>
+          <a:solidFill>
+            <a:schemeClr val="bg1"/>
+          </a:solidFill>
+        </p:spPr>
+        <p:style>
+          <a:lnRef idx="2">
+            <a:schemeClr val="dk1"/>
+          </a:lnRef>
+          <a:fillRef idx="1">
+            <a:schemeClr val="lt1"/>
+          </a:fillRef>
+          <a:effectRef idx="0">
+            <a:schemeClr val="dk1"/>
+          </a:effectRef>
+          <a:fontRef idx="minor">
+            <a:schemeClr val="dk1"/>
+          </a:fontRef>
+        </p:style>
+        <p:txBody>
+          <a:bodyPr rtlCol="0" anchor="ctr"/>
+          <a:lstStyle/>
+          <a:p>
+            <a:pPr algn="ctr"/>
+            <a:endParaRPr lang="en-US" sz="1400" dirty="0">
+              <a:solidFill>
+                <a:schemeClr val="bg1"/>
+              </a:solidFill>
+            </a:endParaRPr>
+          </a:p>
+        </p:txBody>
+      </p:sp>
+      <p:sp>
+        <p:nvSpPr>
+          <p:cNvPr id="36" name="TextBox 35">
+            <a:extLst>
+              <a:ext uri="{FF2B5EF4-FFF2-40B4-BE49-F238E27FC236}">
+                <a16:creationId xmlns:a16="http://schemas.microsoft.com/office/drawing/2014/main" id="{A663793F-859C-A9E7-89B5-C24C79E46C1C}"/>
+              </a:ext>
+            </a:extLst>
+          </p:cNvPr>
+          <p:cNvSpPr txBox="1"/>
+          <p:nvPr/>
+        </p:nvSpPr>
+        <p:spPr>
+          <a:xfrm>
+            <a:off x="2937252" y="2042328"/>
+            <a:ext cx="1689961" cy="276999"/>
+          </a:xfrm>
+          <a:prstGeom prst="rect">
+            <a:avLst/>
+          </a:prstGeom>
+          <a:noFill/>
+        </p:spPr>
+        <p:txBody>
+          <a:bodyPr wrap="square" rtlCol="0">
+            <a:spAutoFit/>
+          </a:bodyPr>
+          <a:lstStyle/>
+          <a:p>
+            <a:r>
+              <a:rPr lang="en-US" sz="1200" dirty="0"/>
+              <a:t>New Function Prompt</a:t>
+            </a:r>
+          </a:p>
+        </p:txBody>
+      </p:sp>
+      <p:sp>
+        <p:nvSpPr>
+          <p:cNvPr id="39" name="TextBox 38">
+            <a:extLst>
+              <a:ext uri="{FF2B5EF4-FFF2-40B4-BE49-F238E27FC236}">
+                <a16:creationId xmlns:a16="http://schemas.microsoft.com/office/drawing/2014/main" id="{A7334966-8165-C6E1-8448-43019C9BA3A2}"/>
+              </a:ext>
+            </a:extLst>
+          </p:cNvPr>
+          <p:cNvSpPr txBox="1"/>
+          <p:nvPr/>
+        </p:nvSpPr>
+        <p:spPr>
+          <a:xfrm>
+            <a:off x="5137535" y="2943023"/>
+            <a:ext cx="945139" cy="430887"/>
+          </a:xfrm>
+          <a:prstGeom prst="rect">
+            <a:avLst/>
+          </a:prstGeom>
+          <a:noFill/>
+        </p:spPr>
+        <p:txBody>
+          <a:bodyPr wrap="square" rtlCol="0">
+            <a:spAutoFit/>
+          </a:bodyPr>
+          <a:lstStyle/>
+          <a:p>
+            <a:r>
+              <a:rPr lang="en-US" sz="1100" b="1" dirty="0"/>
+              <a:t># New Func</a:t>
+            </a:r>
+          </a:p>
+          <a:p>
+            <a:r>
+              <a:rPr lang="en-US" sz="1100" b="1" dirty="0"/>
+              <a:t>bar</a:t>
+            </a:r>
+            <a:r>
+              <a:rPr lang="en-US" sz="1100" dirty="0"/>
+              <a:t>(){…}</a:t>
+            </a:r>
+          </a:p>
+        </p:txBody>
+      </p:sp>
+      <p:sp>
+        <p:nvSpPr>
+          <p:cNvPr id="40" name="TextBox 39">
+            <a:extLst>
+              <a:ext uri="{FF2B5EF4-FFF2-40B4-BE49-F238E27FC236}">
+                <a16:creationId xmlns:a16="http://schemas.microsoft.com/office/drawing/2014/main" id="{A56A1C29-A948-E348-8B2A-9FC00B503052}"/>
+              </a:ext>
+            </a:extLst>
+          </p:cNvPr>
+          <p:cNvSpPr txBox="1"/>
+          <p:nvPr/>
+        </p:nvSpPr>
+        <p:spPr>
+          <a:xfrm>
+            <a:off x="6107280" y="3405706"/>
+            <a:ext cx="1122346" cy="523220"/>
+          </a:xfrm>
+          <a:prstGeom prst="rect">
+            <a:avLst/>
+          </a:prstGeom>
+          <a:noFill/>
+        </p:spPr>
+        <p:txBody>
+          <a:bodyPr wrap="square" rtlCol="0">
+            <a:spAutoFit/>
+          </a:bodyPr>
+          <a:lstStyle/>
+          <a:p>
+            <a:pPr algn="ctr"/>
+            <a:r>
+              <a:rPr lang="en-US" sz="1400" b="1" dirty="0">
+                <a:solidFill>
+                  <a:schemeClr val="bg1"/>
+                </a:solidFill>
+              </a:rPr>
+              <a:t>Validation:</a:t>
+            </a:r>
+            <a:r>
+              <a:rPr lang="en-US" sz="1400" dirty="0">
+                <a:solidFill>
+                  <a:schemeClr val="bg1"/>
+                </a:solidFill>
+              </a:rPr>
+              <a:t> </a:t>
+            </a:r>
+            <a:r>
+              <a:rPr lang="en-US" sz="1300" dirty="0">
+                <a:solidFill>
+                  <a:schemeClr val="bg1"/>
+                </a:solidFill>
+              </a:rPr>
+              <a:t>Test Suite</a:t>
+            </a:r>
+          </a:p>
+        </p:txBody>
+      </p:sp>
+      <p:sp>
+        <p:nvSpPr>
+          <p:cNvPr id="41" name="TextBox 40">
+            <a:extLst>
+              <a:ext uri="{FF2B5EF4-FFF2-40B4-BE49-F238E27FC236}">
+                <a16:creationId xmlns:a16="http://schemas.microsoft.com/office/drawing/2014/main" id="{2EC175C6-1DB4-569D-0A99-0F1BD3284026}"/>
+              </a:ext>
+            </a:extLst>
+          </p:cNvPr>
+          <p:cNvSpPr txBox="1"/>
+          <p:nvPr/>
+        </p:nvSpPr>
+        <p:spPr>
+          <a:xfrm>
+            <a:off x="6063314" y="1961801"/>
+            <a:ext cx="1214944" cy="907941"/>
+          </a:xfrm>
+          <a:prstGeom prst="rect">
+            <a:avLst/>
+          </a:prstGeom>
+          <a:noFill/>
+        </p:spPr>
+        <p:txBody>
+          <a:bodyPr wrap="square" rtlCol="0">
+            <a:spAutoFit/>
+          </a:bodyPr>
+          <a:lstStyle/>
+          <a:p>
+            <a:pPr algn="ctr"/>
+            <a:r>
+              <a:rPr lang="en-US" sz="1400" b="1" dirty="0">
+                <a:solidFill>
+                  <a:schemeClr val="bg1"/>
+                </a:solidFill>
+              </a:rPr>
+              <a:t>Verification:</a:t>
+            </a:r>
+          </a:p>
+          <a:p>
+            <a:pPr algn="ctr"/>
+            <a:r>
+              <a:rPr lang="en-US" sz="1300" dirty="0">
+                <a:solidFill>
+                  <a:schemeClr val="bg1"/>
+                </a:solidFill>
+              </a:rPr>
+              <a:t>Static Analyzer (Clang)</a:t>
+            </a:r>
+          </a:p>
+        </p:txBody>
+      </p:sp>
+      <p:sp>
+        <p:nvSpPr>
+          <p:cNvPr id="26" name="TextBox 25">
+            <a:extLst>
+              <a:ext uri="{FF2B5EF4-FFF2-40B4-BE49-F238E27FC236}">
+                <a16:creationId xmlns:a16="http://schemas.microsoft.com/office/drawing/2014/main" id="{001308CC-ACC9-1D56-D808-CF55ABDA5C6F}"/>
+              </a:ext>
+            </a:extLst>
+          </p:cNvPr>
+          <p:cNvSpPr txBox="1"/>
+          <p:nvPr/>
+        </p:nvSpPr>
+        <p:spPr>
+          <a:xfrm>
+            <a:off x="3833968" y="2779807"/>
+            <a:ext cx="692901" cy="261610"/>
+          </a:xfrm>
+          <a:prstGeom prst="rect">
+            <a:avLst/>
+          </a:prstGeom>
+          <a:noFill/>
+        </p:spPr>
+        <p:txBody>
+          <a:bodyPr wrap="square" rtlCol="0">
+            <a:spAutoFit/>
+          </a:bodyPr>
+          <a:lstStyle/>
+          <a:p>
+            <a:r>
+              <a:rPr lang="en-US" sz="1100" dirty="0"/>
+              <a:t>foo(){…}</a:t>
+            </a:r>
+          </a:p>
+        </p:txBody>
+      </p:sp>
+      <p:cxnSp>
+        <p:nvCxnSpPr>
+          <p:cNvPr id="66" name="Straight Arrow Connector 65">
+            <a:extLst>
+              <a:ext uri="{FF2B5EF4-FFF2-40B4-BE49-F238E27FC236}">
+                <a16:creationId xmlns:a16="http://schemas.microsoft.com/office/drawing/2014/main" id="{AA3A5A9C-F826-B0EA-3CA6-2D770C88BF7D}"/>
+              </a:ext>
+            </a:extLst>
+          </p:cNvPr>
+          <p:cNvCxnSpPr>
+            <a:cxnSpLocks/>
+            <a:stCxn id="31" idx="0"/>
+            <a:endCxn id="14" idx="2"/>
+          </p:cNvCxnSpPr>
+          <p:nvPr/>
+        </p:nvCxnSpPr>
+        <p:spPr>
+          <a:xfrm flipV="1">
+            <a:off x="4589316" y="2902525"/>
+            <a:ext cx="166548" cy="0"/>
+          </a:xfrm>
+          <a:prstGeom prst="straightConnector1">
+            <a:avLst/>
+          </a:prstGeom>
+          <a:ln>
+            <a:tailEnd type="triangle"/>
+          </a:ln>
+        </p:spPr>
+        <p:style>
+          <a:lnRef idx="2">
+            <a:schemeClr val="accent1"/>
+          </a:lnRef>
+          <a:fillRef idx="0">
+            <a:schemeClr val="accent1"/>
+          </a:fillRef>
+          <a:effectRef idx="1">
+            <a:schemeClr val="accent1"/>
+          </a:effectRef>
+          <a:fontRef idx="minor">
+            <a:schemeClr val="tx1"/>
+          </a:fontRef>
+        </p:style>
+      </p:cxnSp>
+      <p:sp>
+        <p:nvSpPr>
+          <p:cNvPr id="44" name="Can 43">
+            <a:extLst>
+              <a:ext uri="{FF2B5EF4-FFF2-40B4-BE49-F238E27FC236}">
+                <a16:creationId xmlns:a16="http://schemas.microsoft.com/office/drawing/2014/main" id="{E888FD35-3DCD-5F22-C3CA-BC67DD752644}"/>
+              </a:ext>
+            </a:extLst>
+          </p:cNvPr>
+          <p:cNvSpPr/>
+          <p:nvPr/>
+        </p:nvSpPr>
+        <p:spPr>
+          <a:xfrm>
+            <a:off x="2765832" y="2604010"/>
+            <a:ext cx="893116" cy="516785"/>
+          </a:xfrm>
+          <a:prstGeom prst="can">
+            <a:avLst>
+              <a:gd name="adj" fmla="val 11266"/>
+            </a:avLst>
+          </a:prstGeom>
+          <a:solidFill>
+            <a:schemeClr val="bg1">
+              <a:lumMod val="85000"/>
+            </a:schemeClr>
+          </a:solidFill>
+        </p:spPr>
+        <p:style>
+          <a:lnRef idx="2">
+            <a:schemeClr val="accent1">
+              <a:shade val="15000"/>
+            </a:schemeClr>
+          </a:lnRef>
+          <a:fillRef idx="1">
+            <a:schemeClr val="accent1"/>
+          </a:fillRef>
+          <a:effectRef idx="0">
+            <a:schemeClr val="accent1"/>
+          </a:effectRef>
+          <a:fontRef idx="minor">
+            <a:schemeClr val="lt1"/>
+          </a:fontRef>
+        </p:style>
+        <p:txBody>
+          <a:bodyPr rtlCol="0" anchor="ctr"/>
+          <a:lstStyle/>
+          <a:p>
+            <a:pPr algn="ctr"/>
+            <a:endParaRPr lang="en-US"/>
+          </a:p>
+        </p:txBody>
+      </p:sp>
+      <p:sp>
+        <p:nvSpPr>
+          <p:cNvPr id="47" name="TextBox 46">
+            <a:extLst>
+              <a:ext uri="{FF2B5EF4-FFF2-40B4-BE49-F238E27FC236}">
+                <a16:creationId xmlns:a16="http://schemas.microsoft.com/office/drawing/2014/main" id="{72CB0A04-A48C-A68D-68C3-F02593204127}"/>
+              </a:ext>
+            </a:extLst>
+          </p:cNvPr>
+          <p:cNvSpPr txBox="1"/>
+          <p:nvPr/>
+        </p:nvSpPr>
+        <p:spPr>
+          <a:xfrm>
+            <a:off x="2664689" y="2599965"/>
+            <a:ext cx="1095403" cy="523220"/>
+          </a:xfrm>
+          <a:prstGeom prst="rect">
+            <a:avLst/>
+          </a:prstGeom>
+          <a:noFill/>
+        </p:spPr>
+        <p:txBody>
+          <a:bodyPr wrap="square" rtlCol="0">
+            <a:spAutoFit/>
+          </a:bodyPr>
+          <a:lstStyle/>
+          <a:p>
+            <a:pPr algn="ctr"/>
+            <a:r>
+              <a:rPr lang="en-US" sz="1400" dirty="0" err="1"/>
+              <a:t>Github</a:t>
+            </a:r>
+            <a:r>
+              <a:rPr lang="en-US" sz="1400" dirty="0"/>
+              <a:t> Repository</a:t>
+            </a:r>
+          </a:p>
+        </p:txBody>
+      </p:sp>
+      <p:cxnSp>
+        <p:nvCxnSpPr>
+          <p:cNvPr id="87" name="Straight Arrow Connector 86">
+            <a:extLst>
+              <a:ext uri="{FF2B5EF4-FFF2-40B4-BE49-F238E27FC236}">
+                <a16:creationId xmlns:a16="http://schemas.microsoft.com/office/drawing/2014/main" id="{3E86974D-5ED8-B489-634F-A3A0685096AA}"/>
+              </a:ext>
+            </a:extLst>
+          </p:cNvPr>
+          <p:cNvCxnSpPr>
+            <a:cxnSpLocks/>
+            <a:stCxn id="91" idx="3"/>
+          </p:cNvCxnSpPr>
+          <p:nvPr/>
+        </p:nvCxnSpPr>
+        <p:spPr>
+          <a:xfrm>
+            <a:off x="4560977" y="4082522"/>
+            <a:ext cx="201268" cy="0"/>
+          </a:xfrm>
+          <a:prstGeom prst="straightConnector1">
+            <a:avLst/>
+          </a:prstGeom>
+          <a:ln>
+            <a:tailEnd type="triangle"/>
+          </a:ln>
+        </p:spPr>
+        <p:style>
+          <a:lnRef idx="2">
+            <a:schemeClr val="accent1"/>
+          </a:lnRef>
+          <a:fillRef idx="0">
+            <a:schemeClr val="accent1"/>
+          </a:fillRef>
+          <a:effectRef idx="1">
+            <a:schemeClr val="accent1"/>
+          </a:effectRef>
+          <a:fontRef idx="minor">
+            <a:schemeClr val="tx1"/>
+          </a:fontRef>
+        </p:style>
+      </p:cxnSp>
+      <p:cxnSp>
+        <p:nvCxnSpPr>
+          <p:cNvPr id="88" name="Straight Arrow Connector 87">
+            <a:extLst>
+              <a:ext uri="{FF2B5EF4-FFF2-40B4-BE49-F238E27FC236}">
+                <a16:creationId xmlns:a16="http://schemas.microsoft.com/office/drawing/2014/main" id="{C402738F-D1BC-88D1-B850-67C82F0EDB3E}"/>
+              </a:ext>
+            </a:extLst>
+          </p:cNvPr>
+          <p:cNvCxnSpPr>
+            <a:cxnSpLocks/>
+            <a:stCxn id="89" idx="3"/>
+          </p:cNvCxnSpPr>
+          <p:nvPr/>
+        </p:nvCxnSpPr>
+        <p:spPr>
+          <a:xfrm>
+            <a:off x="4563556" y="3751874"/>
+            <a:ext cx="201113" cy="0"/>
+          </a:xfrm>
+          <a:prstGeom prst="straightConnector1">
+            <a:avLst/>
+          </a:prstGeom>
+          <a:ln>
+            <a:tailEnd type="triangle"/>
+          </a:ln>
+        </p:spPr>
+        <p:style>
+          <a:lnRef idx="2">
+            <a:schemeClr val="accent1"/>
+          </a:lnRef>
+          <a:fillRef idx="0">
+            <a:schemeClr val="accent1"/>
+          </a:fillRef>
+          <a:effectRef idx="1">
+            <a:schemeClr val="accent1"/>
+          </a:effectRef>
+          <a:fontRef idx="minor">
+            <a:schemeClr val="tx1"/>
+          </a:fontRef>
+        </p:style>
+      </p:cxnSp>
+      <p:sp>
+        <p:nvSpPr>
+          <p:cNvPr id="89" name="Rectangle 88">
+            <a:extLst>
+              <a:ext uri="{FF2B5EF4-FFF2-40B4-BE49-F238E27FC236}">
+                <a16:creationId xmlns:a16="http://schemas.microsoft.com/office/drawing/2014/main" id="{C2CBEA6A-78A6-3EBF-D3D4-03F6BC9A126F}"/>
+              </a:ext>
+            </a:extLst>
+          </p:cNvPr>
+          <p:cNvSpPr/>
+          <p:nvPr/>
+        </p:nvSpPr>
+        <p:spPr>
+          <a:xfrm>
+            <a:off x="3007297" y="3628763"/>
+            <a:ext cx="1556259" cy="246221"/>
+          </a:xfrm>
+          <a:prstGeom prst="rect">
+            <a:avLst/>
+          </a:prstGeom>
+          <a:solidFill>
+            <a:schemeClr val="bg1"/>
+          </a:solidFill>
+        </p:spPr>
+        <p:style>
+          <a:lnRef idx="2">
+            <a:schemeClr val="dk1"/>
+          </a:lnRef>
+          <a:fillRef idx="1">
+            <a:schemeClr val="lt1"/>
+          </a:fillRef>
+          <a:effectRef idx="0">
+            <a:schemeClr val="dk1"/>
+          </a:effectRef>
+          <a:fontRef idx="minor">
+            <a:schemeClr val="dk1"/>
+          </a:fontRef>
+        </p:style>
+        <p:txBody>
+          <a:bodyPr rtlCol="0" anchor="ctr"/>
+          <a:lstStyle/>
+          <a:p>
+            <a:pPr algn="ctr"/>
+            <a:endParaRPr lang="en-US" sz="1400" dirty="0">
+              <a:solidFill>
+                <a:schemeClr val="bg1"/>
+              </a:solidFill>
+            </a:endParaRPr>
+          </a:p>
+        </p:txBody>
+      </p:sp>
+      <p:sp>
+        <p:nvSpPr>
+          <p:cNvPr id="90" name="TextBox 89">
+            <a:extLst>
+              <a:ext uri="{FF2B5EF4-FFF2-40B4-BE49-F238E27FC236}">
+                <a16:creationId xmlns:a16="http://schemas.microsoft.com/office/drawing/2014/main" id="{BF8F1746-8122-5AC2-BA12-BC8A6F8EDCDD}"/>
+              </a:ext>
+            </a:extLst>
+          </p:cNvPr>
+          <p:cNvSpPr txBox="1"/>
+          <p:nvPr/>
+        </p:nvSpPr>
+        <p:spPr>
+          <a:xfrm>
+            <a:off x="2941574" y="3608691"/>
+            <a:ext cx="1554706" cy="276999"/>
+          </a:xfrm>
+          <a:prstGeom prst="rect">
+            <a:avLst/>
+          </a:prstGeom>
+          <a:noFill/>
+        </p:spPr>
+        <p:txBody>
+          <a:bodyPr wrap="square" rtlCol="0">
+            <a:spAutoFit/>
+          </a:bodyPr>
+          <a:lstStyle/>
+          <a:p>
+            <a:r>
+              <a:rPr lang="en-US" sz="1200" dirty="0"/>
+              <a:t>Bug Fixing Commit</a:t>
+            </a:r>
+          </a:p>
+        </p:txBody>
+      </p:sp>
+      <p:sp>
+        <p:nvSpPr>
+          <p:cNvPr id="91" name="Rectangle 90">
+            <a:extLst>
+              <a:ext uri="{FF2B5EF4-FFF2-40B4-BE49-F238E27FC236}">
+                <a16:creationId xmlns:a16="http://schemas.microsoft.com/office/drawing/2014/main" id="{5660B845-DB14-2F95-E333-2C6781AD2B0A}"/>
+              </a:ext>
+            </a:extLst>
+          </p:cNvPr>
+          <p:cNvSpPr/>
+          <p:nvPr/>
+        </p:nvSpPr>
+        <p:spPr>
+          <a:xfrm>
+            <a:off x="3006270" y="3952755"/>
+            <a:ext cx="1554707" cy="259534"/>
+          </a:xfrm>
+          <a:prstGeom prst="rect">
+            <a:avLst/>
+          </a:prstGeom>
+          <a:solidFill>
+            <a:schemeClr val="bg1"/>
+          </a:solidFill>
+        </p:spPr>
+        <p:style>
+          <a:lnRef idx="2">
+            <a:schemeClr val="dk1"/>
+          </a:lnRef>
+          <a:fillRef idx="1">
+            <a:schemeClr val="lt1"/>
+          </a:fillRef>
+          <a:effectRef idx="0">
+            <a:schemeClr val="dk1"/>
+          </a:effectRef>
+          <a:fontRef idx="minor">
+            <a:schemeClr val="dk1"/>
+          </a:fontRef>
+        </p:style>
+        <p:txBody>
+          <a:bodyPr rtlCol="0" anchor="ctr"/>
+          <a:lstStyle/>
+          <a:p>
+            <a:pPr algn="ctr"/>
+            <a:endParaRPr lang="en-US" sz="1400" dirty="0">
+              <a:solidFill>
+                <a:schemeClr val="bg1"/>
+              </a:solidFill>
+            </a:endParaRPr>
+          </a:p>
+        </p:txBody>
+      </p:sp>
+      <p:sp>
+        <p:nvSpPr>
+          <p:cNvPr id="92" name="TextBox 91">
+            <a:extLst>
+              <a:ext uri="{FF2B5EF4-FFF2-40B4-BE49-F238E27FC236}">
+                <a16:creationId xmlns:a16="http://schemas.microsoft.com/office/drawing/2014/main" id="{E7607742-78B3-6BD2-7B8F-47D5CCA05F09}"/>
+              </a:ext>
+            </a:extLst>
+          </p:cNvPr>
+          <p:cNvSpPr txBox="1"/>
+          <p:nvPr/>
+        </p:nvSpPr>
+        <p:spPr>
+          <a:xfrm>
+            <a:off x="2952243" y="3945053"/>
+            <a:ext cx="1817862" cy="276999"/>
+          </a:xfrm>
+          <a:prstGeom prst="rect">
+            <a:avLst/>
+          </a:prstGeom>
+          <a:noFill/>
+        </p:spPr>
+        <p:txBody>
+          <a:bodyPr wrap="square" rtlCol="0">
+            <a:spAutoFit/>
+          </a:bodyPr>
+          <a:lstStyle/>
+          <a:p>
+            <a:r>
+              <a:rPr lang="en-US" sz="1200" dirty="0"/>
+              <a:t>New Function Commit</a:t>
+            </a:r>
+          </a:p>
+        </p:txBody>
+      </p:sp>
+      <p:sp>
+        <p:nvSpPr>
+          <p:cNvPr id="93" name="Rounded Rectangle 92">
+            <a:extLst>
+              <a:ext uri="{FF2B5EF4-FFF2-40B4-BE49-F238E27FC236}">
+                <a16:creationId xmlns:a16="http://schemas.microsoft.com/office/drawing/2014/main" id="{118F96A5-BCFF-D401-D83F-2840A957CD4B}"/>
+              </a:ext>
+            </a:extLst>
+          </p:cNvPr>
+          <p:cNvSpPr/>
+          <p:nvPr/>
+        </p:nvSpPr>
+        <p:spPr>
+          <a:xfrm>
+            <a:off x="2941573" y="1512159"/>
+            <a:ext cx="1704157" cy="844395"/>
+          </a:xfrm>
+          <a:prstGeom prst="roundRect">
+            <a:avLst>
+              <a:gd name="adj" fmla="val 7535"/>
+            </a:avLst>
+          </a:prstGeom>
+          <a:noFill/>
+          <a:ln w="12700">
+            <a:solidFill>
+              <a:schemeClr val="tx1"/>
+            </a:solidFill>
+            <a:prstDash val="dash"/>
+          </a:ln>
+        </p:spPr>
+        <p:style>
+          <a:lnRef idx="2">
+            <a:schemeClr val="accent1">
+              <a:shade val="15000"/>
+            </a:schemeClr>
+          </a:lnRef>
+          <a:fillRef idx="1">
+            <a:schemeClr val="accent1"/>
+          </a:fillRef>
+          <a:effectRef idx="0">
+            <a:schemeClr val="accent1"/>
+          </a:effectRef>
+          <a:fontRef idx="minor">
+            <a:schemeClr val="lt1"/>
+          </a:fontRef>
+        </p:style>
+        <p:txBody>
+          <a:bodyPr rtlCol="0" anchor="ctr"/>
+          <a:lstStyle/>
+          <a:p>
+            <a:pPr algn="ctr"/>
+            <a:endParaRPr lang="en-US"/>
+          </a:p>
+        </p:txBody>
+      </p:sp>
+      <p:sp>
+        <p:nvSpPr>
+          <p:cNvPr id="94" name="TextBox 93">
+            <a:extLst>
+              <a:ext uri="{FF2B5EF4-FFF2-40B4-BE49-F238E27FC236}">
+                <a16:creationId xmlns:a16="http://schemas.microsoft.com/office/drawing/2014/main" id="{6067F494-4F1E-D52D-0B29-0C07236C0A90}"/>
+              </a:ext>
+            </a:extLst>
+          </p:cNvPr>
+          <p:cNvSpPr txBox="1"/>
+          <p:nvPr/>
+        </p:nvSpPr>
+        <p:spPr>
+          <a:xfrm>
+            <a:off x="3032595" y="1471753"/>
+            <a:ext cx="1449402" cy="276999"/>
+          </a:xfrm>
+          <a:prstGeom prst="rect">
+            <a:avLst/>
+          </a:prstGeom>
+          <a:noFill/>
+        </p:spPr>
+        <p:txBody>
+          <a:bodyPr wrap="square" rtlCol="0">
+            <a:spAutoFit/>
+          </a:bodyPr>
+          <a:lstStyle/>
+          <a:p>
+            <a:pPr algn="ctr"/>
+            <a:r>
+              <a:rPr lang="en-US" sz="1200" dirty="0"/>
+              <a:t>Framework</a:t>
+            </a:r>
+          </a:p>
+        </p:txBody>
+      </p:sp>
+      <p:sp>
+        <p:nvSpPr>
+          <p:cNvPr id="97" name="Rounded Rectangle 96">
+            <a:extLst>
+              <a:ext uri="{FF2B5EF4-FFF2-40B4-BE49-F238E27FC236}">
+                <a16:creationId xmlns:a16="http://schemas.microsoft.com/office/drawing/2014/main" id="{F53BA158-20D5-CA5D-75B8-11F1B6D66CEF}"/>
+              </a:ext>
+            </a:extLst>
+          </p:cNvPr>
+          <p:cNvSpPr/>
+          <p:nvPr/>
+        </p:nvSpPr>
+        <p:spPr>
+          <a:xfrm>
+            <a:off x="2937252" y="3448274"/>
+            <a:ext cx="1703868" cy="844623"/>
+          </a:xfrm>
+          <a:prstGeom prst="roundRect">
+            <a:avLst>
+              <a:gd name="adj" fmla="val 7535"/>
+            </a:avLst>
+          </a:prstGeom>
+          <a:noFill/>
+          <a:ln w="12700">
+            <a:solidFill>
+              <a:schemeClr val="tx1"/>
+            </a:solidFill>
+            <a:prstDash val="dash"/>
+          </a:ln>
+        </p:spPr>
+        <p:style>
+          <a:lnRef idx="2">
+            <a:schemeClr val="accent1">
+              <a:shade val="15000"/>
+            </a:schemeClr>
+          </a:lnRef>
+          <a:fillRef idx="1">
+            <a:schemeClr val="accent1"/>
+          </a:fillRef>
+          <a:effectRef idx="0">
+            <a:schemeClr val="accent1"/>
+          </a:effectRef>
+          <a:fontRef idx="minor">
+            <a:schemeClr val="lt1"/>
+          </a:fontRef>
+        </p:style>
+        <p:txBody>
+          <a:bodyPr rtlCol="0" anchor="ctr"/>
+          <a:lstStyle/>
+          <a:p>
+            <a:pPr algn="ctr"/>
+            <a:endParaRPr lang="en-US"/>
+          </a:p>
+        </p:txBody>
+      </p:sp>
+      <p:sp>
+        <p:nvSpPr>
+          <p:cNvPr id="98" name="TextBox 97">
+            <a:extLst>
+              <a:ext uri="{FF2B5EF4-FFF2-40B4-BE49-F238E27FC236}">
+                <a16:creationId xmlns:a16="http://schemas.microsoft.com/office/drawing/2014/main" id="{6987B784-6C2F-7185-E213-14F2DE36B026}"/>
+              </a:ext>
+            </a:extLst>
+          </p:cNvPr>
+          <p:cNvSpPr txBox="1"/>
+          <p:nvPr/>
+        </p:nvSpPr>
+        <p:spPr>
+          <a:xfrm>
+            <a:off x="2909613" y="3401433"/>
+            <a:ext cx="1725391" cy="276999"/>
+          </a:xfrm>
+          <a:prstGeom prst="rect">
+            <a:avLst/>
+          </a:prstGeom>
+          <a:noFill/>
+        </p:spPr>
+        <p:txBody>
+          <a:bodyPr wrap="square" rtlCol="0">
+            <a:spAutoFit/>
+          </a:bodyPr>
+          <a:lstStyle/>
+          <a:p>
+            <a:pPr algn="ctr"/>
+            <a:r>
+              <a:rPr lang="en-US" sz="1200" dirty="0"/>
+              <a:t>Evaluation</a:t>
+            </a:r>
+          </a:p>
+        </p:txBody>
+      </p:sp>
+      <p:cxnSp>
+        <p:nvCxnSpPr>
+          <p:cNvPr id="108" name="Straight Arrow Connector 107">
+            <a:extLst>
+              <a:ext uri="{FF2B5EF4-FFF2-40B4-BE49-F238E27FC236}">
+                <a16:creationId xmlns:a16="http://schemas.microsoft.com/office/drawing/2014/main" id="{BAB832A8-6CD2-6CEA-03E2-70C0A6555AF2}"/>
+              </a:ext>
+            </a:extLst>
+          </p:cNvPr>
+          <p:cNvCxnSpPr>
+            <a:cxnSpLocks/>
+            <a:stCxn id="44" idx="4"/>
+            <a:endCxn id="29" idx="2"/>
+          </p:cNvCxnSpPr>
+          <p:nvPr/>
+        </p:nvCxnSpPr>
+        <p:spPr>
+          <a:xfrm>
+            <a:off x="3658948" y="2862403"/>
+            <a:ext cx="113396" cy="150"/>
+          </a:xfrm>
+          <a:prstGeom prst="straightConnector1">
+            <a:avLst/>
+          </a:prstGeom>
+          <a:ln>
+            <a:tailEnd type="triangle"/>
+          </a:ln>
+        </p:spPr>
+        <p:style>
+          <a:lnRef idx="2">
+            <a:schemeClr val="accent1"/>
+          </a:lnRef>
+          <a:fillRef idx="0">
+            <a:schemeClr val="accent1"/>
+          </a:fillRef>
+          <a:effectRef idx="1">
+            <a:schemeClr val="accent1"/>
+          </a:effectRef>
+          <a:fontRef idx="minor">
+            <a:schemeClr val="tx1"/>
+          </a:fontRef>
+        </p:style>
+      </p:cxnSp>
+      <p:cxnSp>
+        <p:nvCxnSpPr>
+          <p:cNvPr id="124" name="Straight Arrow Connector 123">
+            <a:extLst>
+              <a:ext uri="{FF2B5EF4-FFF2-40B4-BE49-F238E27FC236}">
+                <a16:creationId xmlns:a16="http://schemas.microsoft.com/office/drawing/2014/main" id="{96E58AFC-617C-BDD8-A227-652EFFF4D0B6}"/>
+              </a:ext>
+            </a:extLst>
+          </p:cNvPr>
+          <p:cNvCxnSpPr>
+            <a:cxnSpLocks/>
+          </p:cNvCxnSpPr>
+          <p:nvPr/>
+        </p:nvCxnSpPr>
+        <p:spPr>
+          <a:xfrm>
+            <a:off x="5066301" y="2663595"/>
+            <a:ext cx="128016" cy="0"/>
+          </a:xfrm>
+          <a:prstGeom prst="straightConnector1">
+            <a:avLst/>
+          </a:prstGeom>
+          <a:ln>
+            <a:tailEnd type="triangle"/>
+          </a:ln>
+        </p:spPr>
+        <p:style>
+          <a:lnRef idx="2">
+            <a:schemeClr val="accent1"/>
+          </a:lnRef>
+          <a:fillRef idx="0">
+            <a:schemeClr val="accent1"/>
+          </a:fillRef>
+          <a:effectRef idx="1">
+            <a:schemeClr val="accent1"/>
+          </a:effectRef>
+          <a:fontRef idx="minor">
+            <a:schemeClr val="tx1"/>
+          </a:fontRef>
+        </p:style>
+      </p:cxnSp>
+      <p:cxnSp>
+        <p:nvCxnSpPr>
+          <p:cNvPr id="129" name="Straight Arrow Connector 128">
+            <a:extLst>
+              <a:ext uri="{FF2B5EF4-FFF2-40B4-BE49-F238E27FC236}">
+                <a16:creationId xmlns:a16="http://schemas.microsoft.com/office/drawing/2014/main" id="{EBAEBFC8-5A01-3CC0-C3D3-8B8DF1DC2A9A}"/>
+              </a:ext>
+            </a:extLst>
+          </p:cNvPr>
+          <p:cNvCxnSpPr>
+            <a:cxnSpLocks/>
+          </p:cNvCxnSpPr>
+          <p:nvPr/>
+        </p:nvCxnSpPr>
+        <p:spPr>
+          <a:xfrm>
+            <a:off x="5066301" y="3186806"/>
+            <a:ext cx="128016" cy="0"/>
+          </a:xfrm>
+          <a:prstGeom prst="straightConnector1">
+            <a:avLst/>
+          </a:prstGeom>
+          <a:ln>
+            <a:tailEnd type="triangle"/>
+          </a:ln>
+        </p:spPr>
+        <p:style>
+          <a:lnRef idx="2">
+            <a:schemeClr val="accent1"/>
+          </a:lnRef>
+          <a:fillRef idx="0">
+            <a:schemeClr val="accent1"/>
+          </a:fillRef>
+          <a:effectRef idx="1">
+            <a:schemeClr val="accent1"/>
+          </a:effectRef>
+          <a:fontRef idx="minor">
+            <a:schemeClr val="tx1"/>
+          </a:fontRef>
+        </p:style>
+      </p:cxnSp>
+      <p:sp>
+        <p:nvSpPr>
+          <p:cNvPr id="27" name="TextBox 26">
+            <a:extLst>
+              <a:ext uri="{FF2B5EF4-FFF2-40B4-BE49-F238E27FC236}">
+                <a16:creationId xmlns:a16="http://schemas.microsoft.com/office/drawing/2014/main" id="{CDA99A7B-EBE7-0815-6526-D8A4995B6903}"/>
+              </a:ext>
+            </a:extLst>
+          </p:cNvPr>
+          <p:cNvSpPr txBox="1"/>
+          <p:nvPr/>
+        </p:nvSpPr>
+        <p:spPr>
+          <a:xfrm>
+            <a:off x="7273945" y="2275233"/>
+            <a:ext cx="1123706" cy="892552"/>
+          </a:xfrm>
+          <a:prstGeom prst="rect">
+            <a:avLst/>
+          </a:prstGeom>
+          <a:noFill/>
+        </p:spPr>
+        <p:txBody>
+          <a:bodyPr wrap="square">
+            <a:spAutoFit/>
+          </a:bodyPr>
+          <a:lstStyle/>
+          <a:p>
+            <a:r>
+              <a:rPr lang="en-US" sz="1200" dirty="0">
+                <a:solidFill>
+                  <a:schemeClr val="bg1"/>
+                </a:solidFill>
+              </a:rPr>
+              <a:t>Fail</a:t>
+            </a:r>
+            <a:endParaRPr lang="en-US" sz="1000" dirty="0">
+              <a:solidFill>
+                <a:schemeClr val="bg1"/>
+              </a:solidFill>
+            </a:endParaRPr>
+          </a:p>
+          <a:p>
+            <a:r>
+              <a:rPr lang="en-US" sz="1000" dirty="0">
+                <a:solidFill>
+                  <a:schemeClr val="bg1"/>
+                </a:solidFill>
+              </a:rPr>
+              <a:t>    Syntax Error</a:t>
+            </a:r>
+          </a:p>
+          <a:p>
+            <a:r>
+              <a:rPr lang="en-US" sz="1000" dirty="0">
+                <a:solidFill>
+                  <a:schemeClr val="bg1"/>
+                </a:solidFill>
+              </a:rPr>
+              <a:t>    Unsafe Cast</a:t>
+            </a:r>
+          </a:p>
+          <a:p>
+            <a:r>
+              <a:rPr lang="en-US" sz="1000" dirty="0">
+                <a:solidFill>
+                  <a:schemeClr val="bg1"/>
+                </a:solidFill>
+              </a:rPr>
+              <a:t>    Memory Error</a:t>
+            </a:r>
+          </a:p>
+          <a:p>
+            <a:r>
+              <a:rPr lang="en-US" sz="1000" dirty="0">
+                <a:solidFill>
+                  <a:schemeClr val="bg1"/>
+                </a:solidFill>
+              </a:rPr>
+              <a:t>    …</a:t>
+            </a:r>
+          </a:p>
+        </p:txBody>
+      </p:sp>
+      <p:sp>
+        <p:nvSpPr>
+          <p:cNvPr id="68" name="TextBox 67">
+            <a:extLst>
+              <a:ext uri="{FF2B5EF4-FFF2-40B4-BE49-F238E27FC236}">
+                <a16:creationId xmlns:a16="http://schemas.microsoft.com/office/drawing/2014/main" id="{CE85A8D7-B615-6199-50F3-67D461D1FDF4}"/>
+              </a:ext>
+            </a:extLst>
+          </p:cNvPr>
+          <p:cNvSpPr txBox="1"/>
+          <p:nvPr/>
+        </p:nvSpPr>
+        <p:spPr>
+          <a:xfrm>
+            <a:off x="7279312" y="1853732"/>
+            <a:ext cx="610112" cy="276999"/>
+          </a:xfrm>
+          <a:prstGeom prst="rect">
+            <a:avLst/>
+          </a:prstGeom>
+          <a:noFill/>
+        </p:spPr>
+        <p:txBody>
+          <a:bodyPr wrap="square">
+            <a:spAutoFit/>
+          </a:bodyPr>
+          <a:lstStyle/>
+          <a:p>
+            <a:r>
+              <a:rPr lang="en-US" sz="1200" dirty="0">
+                <a:solidFill>
+                  <a:schemeClr val="bg1"/>
+                </a:solidFill>
+              </a:rPr>
+              <a:t>Pass</a:t>
+            </a:r>
+            <a:endParaRPr lang="en-US" sz="1200" dirty="0"/>
+          </a:p>
+        </p:txBody>
+      </p:sp>
+      <p:sp>
+        <p:nvSpPr>
+          <p:cNvPr id="70" name="TextBox 69">
+            <a:extLst>
+              <a:ext uri="{FF2B5EF4-FFF2-40B4-BE49-F238E27FC236}">
+                <a16:creationId xmlns:a16="http://schemas.microsoft.com/office/drawing/2014/main" id="{EDE974D6-F640-D8DF-776C-A5E7DA522BE4}"/>
+              </a:ext>
+            </a:extLst>
+          </p:cNvPr>
+          <p:cNvSpPr txBox="1"/>
+          <p:nvPr/>
+        </p:nvSpPr>
+        <p:spPr>
+          <a:xfrm>
+            <a:off x="7273945" y="3354363"/>
+            <a:ext cx="610112" cy="276999"/>
+          </a:xfrm>
+          <a:prstGeom prst="rect">
+            <a:avLst/>
+          </a:prstGeom>
+          <a:noFill/>
+        </p:spPr>
+        <p:txBody>
+          <a:bodyPr wrap="square">
+            <a:spAutoFit/>
+          </a:bodyPr>
+          <a:lstStyle/>
+          <a:p>
+            <a:r>
+              <a:rPr lang="en-US" sz="1200" dirty="0">
+                <a:solidFill>
+                  <a:schemeClr val="bg1"/>
+                </a:solidFill>
+              </a:rPr>
+              <a:t>Pass</a:t>
+            </a:r>
+            <a:endParaRPr lang="en-US" sz="1200" dirty="0"/>
+          </a:p>
+        </p:txBody>
+      </p:sp>
+      <p:sp>
+        <p:nvSpPr>
+          <p:cNvPr id="71" name="TextBox 70">
+            <a:extLst>
+              <a:ext uri="{FF2B5EF4-FFF2-40B4-BE49-F238E27FC236}">
+                <a16:creationId xmlns:a16="http://schemas.microsoft.com/office/drawing/2014/main" id="{EA4AFD39-A007-366D-D997-BC785FF4B04F}"/>
+              </a:ext>
+            </a:extLst>
+          </p:cNvPr>
+          <p:cNvSpPr txBox="1"/>
+          <p:nvPr/>
+        </p:nvSpPr>
+        <p:spPr>
+          <a:xfrm>
+            <a:off x="7268002" y="3752540"/>
+            <a:ext cx="610112" cy="276999"/>
+          </a:xfrm>
+          <a:prstGeom prst="rect">
+            <a:avLst/>
+          </a:prstGeom>
+          <a:noFill/>
+        </p:spPr>
+        <p:txBody>
+          <a:bodyPr wrap="square">
+            <a:spAutoFit/>
+          </a:bodyPr>
+          <a:lstStyle/>
+          <a:p>
+            <a:r>
+              <a:rPr lang="en-US" sz="1200" dirty="0">
+                <a:solidFill>
+                  <a:schemeClr val="bg1"/>
+                </a:solidFill>
+              </a:rPr>
+              <a:t>Fail</a:t>
+            </a:r>
+            <a:endParaRPr lang="en-US" sz="1200" dirty="0"/>
+          </a:p>
+        </p:txBody>
+      </p:sp>
+      <p:cxnSp>
+        <p:nvCxnSpPr>
+          <p:cNvPr id="159" name="Straight Arrow Connector 158">
+            <a:extLst>
+              <a:ext uri="{FF2B5EF4-FFF2-40B4-BE49-F238E27FC236}">
+                <a16:creationId xmlns:a16="http://schemas.microsoft.com/office/drawing/2014/main" id="{F04650BB-CA97-CA6F-224D-3B15363B66AE}"/>
+              </a:ext>
+            </a:extLst>
+          </p:cNvPr>
+          <p:cNvCxnSpPr>
+            <a:cxnSpLocks/>
+            <a:stCxn id="44" idx="1"/>
+          </p:cNvCxnSpPr>
+          <p:nvPr/>
+        </p:nvCxnSpPr>
+        <p:spPr>
+          <a:xfrm flipH="1" flipV="1">
+            <a:off x="3211404" y="2357209"/>
+            <a:ext cx="986" cy="246801"/>
+          </a:xfrm>
+          <a:prstGeom prst="straightConnector1">
+            <a:avLst/>
+          </a:prstGeom>
+          <a:ln>
+            <a:tailEnd type="triangle"/>
+          </a:ln>
+        </p:spPr>
+        <p:style>
+          <a:lnRef idx="2">
+            <a:schemeClr val="accent1"/>
+          </a:lnRef>
+          <a:fillRef idx="0">
+            <a:schemeClr val="accent1"/>
+          </a:fillRef>
+          <a:effectRef idx="1">
+            <a:schemeClr val="accent1"/>
+          </a:effectRef>
+          <a:fontRef idx="minor">
+            <a:schemeClr val="tx1"/>
+          </a:fontRef>
+        </p:style>
+      </p:cxnSp>
+      <p:cxnSp>
+        <p:nvCxnSpPr>
+          <p:cNvPr id="162" name="Straight Arrow Connector 161">
+            <a:extLst>
+              <a:ext uri="{FF2B5EF4-FFF2-40B4-BE49-F238E27FC236}">
+                <a16:creationId xmlns:a16="http://schemas.microsoft.com/office/drawing/2014/main" id="{9B99158A-FE8E-7DD8-D6AE-1304F518D0C2}"/>
+              </a:ext>
+            </a:extLst>
+          </p:cNvPr>
+          <p:cNvCxnSpPr>
+            <a:cxnSpLocks/>
+            <a:stCxn id="44" idx="3"/>
+          </p:cNvCxnSpPr>
+          <p:nvPr/>
+        </p:nvCxnSpPr>
+        <p:spPr>
+          <a:xfrm>
+            <a:off x="3212390" y="3120795"/>
+            <a:ext cx="0" cy="327479"/>
+          </a:xfrm>
+          <a:prstGeom prst="straightConnector1">
+            <a:avLst/>
+          </a:prstGeom>
+          <a:ln>
+            <a:tailEnd type="triangle"/>
+          </a:ln>
+        </p:spPr>
+        <p:style>
+          <a:lnRef idx="2">
+            <a:schemeClr val="accent1"/>
+          </a:lnRef>
+          <a:fillRef idx="0">
+            <a:schemeClr val="accent1"/>
+          </a:fillRef>
+          <a:effectRef idx="1">
+            <a:schemeClr val="accent1"/>
+          </a:effectRef>
+          <a:fontRef idx="minor">
+            <a:schemeClr val="tx1"/>
+          </a:fontRef>
+        </p:style>
+      </p:cxnSp>
+    </p:spTree>
+    <p:extLst>
+      <p:ext uri="{BB962C8B-B14F-4D97-AF65-F5344CB8AC3E}">
+        <p14:creationId xmlns:p14="http://schemas.microsoft.com/office/powerpoint/2010/main" val="2793475031"/>
       </p:ext>
     </p:extLst>
   </p:cSld>
